--- a/Presentation.pptx
+++ b/Presentation.pptx
@@ -7,6 +7,10 @@
   <p:sldIdLst>
     <p:sldId id="256" r:id="rId2"/>
     <p:sldId id="257" r:id="rId3"/>
+    <p:sldId id="258" r:id="rId4"/>
+    <p:sldId id="259" r:id="rId5"/>
+    <p:sldId id="260" r:id="rId6"/>
+    <p:sldId id="261" r:id="rId7"/>
   </p:sldIdLst>
   <p:sldSz cx="12192000" cy="6858000"/>
   <p:notesSz cx="6858000" cy="9144000"/>
@@ -105,6 +109,11 @@
       </a:defRPr>
     </a:lvl9pPr>
   </p:defaultTextStyle>
+  <p:extLst>
+    <p:ext uri="{EFAFB233-063F-42B5-8137-9DF3F51BA10A}">
+      <p15:sldGuideLst xmlns:p15="http://schemas.microsoft.com/office/powerpoint/2012/main"/>
+    </p:ext>
+  </p:extLst>
 </p:presentation>
 </file>
 
@@ -13780,6 +13789,1678 @@
 </p:sld>
 </file>
 
+<file path=ppt/slides/slide3.xml><?xml version="1.0" encoding="utf-8"?>
+<p:sld xmlns:a="http://schemas.openxmlformats.org/drawingml/2006/main" xmlns:r="http://schemas.openxmlformats.org/officeDocument/2006/relationships" xmlns:p="http://schemas.openxmlformats.org/presentationml/2006/main">
+  <p:cSld>
+    <p:spTree>
+      <p:nvGrpSpPr>
+        <p:cNvPr id="1" name=""/>
+        <p:cNvGrpSpPr/>
+        <p:nvPr/>
+      </p:nvGrpSpPr>
+      <p:grpSpPr>
+        <a:xfrm>
+          <a:off x="0" y="0"/>
+          <a:ext cx="0" cy="0"/>
+          <a:chOff x="0" y="0"/>
+          <a:chExt cx="0" cy="0"/>
+        </a:xfrm>
+      </p:grpSpPr>
+      <p:sp>
+        <p:nvSpPr>
+          <p:cNvPr id="2" name="Cím 1"/>
+          <p:cNvSpPr>
+            <a:spLocks noGrp="1"/>
+          </p:cNvSpPr>
+          <p:nvPr>
+            <p:ph type="title"/>
+          </p:nvPr>
+        </p:nvSpPr>
+        <p:spPr/>
+        <p:txBody>
+          <a:bodyPr/>
+          <a:lstStyle/>
+          <a:p>
+            <a:r>
+              <a:rPr lang="en-GB" dirty="0" err="1" smtClean="0"/>
+              <a:t>Szabályok</a:t>
+            </a:r>
+            <a:endParaRPr lang="hu-HU" dirty="0"/>
+          </a:p>
+        </p:txBody>
+      </p:sp>
+      <p:sp>
+        <p:nvSpPr>
+          <p:cNvPr id="3" name="Tartalom helye 2"/>
+          <p:cNvSpPr>
+            <a:spLocks noGrp="1"/>
+          </p:cNvSpPr>
+          <p:nvPr>
+            <p:ph idx="1"/>
+          </p:nvPr>
+        </p:nvSpPr>
+        <p:spPr>
+          <a:xfrm>
+            <a:off x="865243" y="2467697"/>
+            <a:ext cx="10632658" cy="4050798"/>
+          </a:xfrm>
+        </p:spPr>
+        <p:txBody>
+          <a:bodyPr>
+            <a:normAutofit/>
+          </a:bodyPr>
+          <a:lstStyle/>
+          <a:p>
+            <a:r>
+              <a:rPr lang="en-GB" b="1" i="1" dirty="0" err="1" smtClean="0"/>
+              <a:t>Kontravariancia</a:t>
+            </a:r>
+            <a:r>
+              <a:rPr lang="en-GB" b="1" i="1" dirty="0" smtClean="0"/>
+              <a:t> </a:t>
+            </a:r>
+            <a:r>
+              <a:rPr lang="en-GB" dirty="0" smtClean="0"/>
+              <a:t>a </a:t>
+            </a:r>
+            <a:r>
+              <a:rPr lang="en-GB" dirty="0" err="1" smtClean="0"/>
+              <a:t>metódusok</a:t>
+            </a:r>
+            <a:r>
+              <a:rPr lang="en-GB" dirty="0" smtClean="0"/>
+              <a:t> </a:t>
+            </a:r>
+            <a:r>
+              <a:rPr lang="en-GB" dirty="0" err="1" smtClean="0"/>
+              <a:t>argumentumaiban</a:t>
+            </a:r>
+            <a:endParaRPr lang="en-GB" dirty="0" smtClean="0"/>
+          </a:p>
+          <a:p>
+            <a:pPr lvl="1"/>
+            <a:r>
+              <a:rPr lang="en-GB" dirty="0" err="1" smtClean="0"/>
+              <a:t>Megváltoztathatom</a:t>
+            </a:r>
+            <a:r>
+              <a:rPr lang="en-GB" dirty="0" smtClean="0"/>
+              <a:t> </a:t>
+            </a:r>
+            <a:r>
+              <a:rPr lang="en-GB" dirty="0" err="1" smtClean="0"/>
+              <a:t>az</a:t>
+            </a:r>
+            <a:r>
+              <a:rPr lang="en-GB" dirty="0" smtClean="0"/>
+              <a:t> </a:t>
+            </a:r>
+            <a:r>
+              <a:rPr lang="en-GB" dirty="0" err="1" smtClean="0"/>
+              <a:t>alosztály</a:t>
+            </a:r>
+            <a:r>
+              <a:rPr lang="en-GB" dirty="0" smtClean="0"/>
+              <a:t> </a:t>
+            </a:r>
+            <a:r>
+              <a:rPr lang="en-GB" dirty="0" err="1" smtClean="0"/>
+              <a:t>metódusának</a:t>
+            </a:r>
+            <a:r>
+              <a:rPr lang="en-GB" dirty="0" smtClean="0"/>
+              <a:t> </a:t>
+            </a:r>
+            <a:r>
+              <a:rPr lang="en-GB" dirty="0" err="1" smtClean="0"/>
+              <a:t>argumentumtípusát</a:t>
+            </a:r>
+            <a:r>
+              <a:rPr lang="en-GB" dirty="0" smtClean="0"/>
+              <a:t> </a:t>
+            </a:r>
+            <a:r>
+              <a:rPr lang="en-GB" dirty="0" err="1" smtClean="0"/>
+              <a:t>úgy</a:t>
+            </a:r>
+            <a:r>
+              <a:rPr lang="en-GB" dirty="0" smtClean="0"/>
+              <a:t>, </a:t>
+            </a:r>
+            <a:r>
+              <a:rPr lang="en-GB" dirty="0" err="1" smtClean="0"/>
+              <a:t>hogy</a:t>
+            </a:r>
+            <a:r>
+              <a:rPr lang="en-GB" dirty="0" smtClean="0"/>
+              <a:t> </a:t>
+            </a:r>
+            <a:r>
+              <a:rPr lang="en-GB" dirty="0" err="1" smtClean="0"/>
+              <a:t>egy</a:t>
+            </a:r>
+            <a:r>
+              <a:rPr lang="en-GB" dirty="0" smtClean="0"/>
+              <a:t> </a:t>
+            </a:r>
+            <a:r>
+              <a:rPr lang="en-GB" dirty="0" err="1" smtClean="0"/>
+              <a:t>generikusabb</a:t>
+            </a:r>
+            <a:r>
+              <a:rPr lang="en-GB" dirty="0" smtClean="0"/>
+              <a:t> </a:t>
+            </a:r>
+            <a:r>
+              <a:rPr lang="en-GB" dirty="0" err="1" smtClean="0"/>
+              <a:t>típust</a:t>
+            </a:r>
+            <a:r>
+              <a:rPr lang="en-GB" dirty="0" smtClean="0"/>
+              <a:t> </a:t>
+            </a:r>
+            <a:r>
+              <a:rPr lang="en-GB" dirty="0" err="1" smtClean="0"/>
+              <a:t>várjon</a:t>
+            </a:r>
+            <a:r>
+              <a:rPr lang="en-GB" dirty="0" smtClean="0"/>
+              <a:t>, mint </a:t>
+            </a:r>
+            <a:r>
+              <a:rPr lang="en-GB" dirty="0" err="1" smtClean="0"/>
+              <a:t>az</a:t>
+            </a:r>
+            <a:r>
+              <a:rPr lang="en-GB" dirty="0" smtClean="0"/>
+              <a:t> </a:t>
+            </a:r>
+            <a:r>
+              <a:rPr lang="en-GB" dirty="0" err="1" smtClean="0"/>
+              <a:t>ősosztályban</a:t>
+            </a:r>
+            <a:r>
+              <a:rPr lang="en-GB" dirty="0" smtClean="0"/>
+              <a:t>.</a:t>
+            </a:r>
+          </a:p>
+          <a:p>
+            <a:r>
+              <a:rPr lang="en-GB" b="1" i="1" dirty="0" err="1" smtClean="0"/>
+              <a:t>Kovariancia</a:t>
+            </a:r>
+            <a:r>
+              <a:rPr lang="en-GB" b="1" i="1" dirty="0" smtClean="0"/>
+              <a:t> </a:t>
+            </a:r>
+            <a:r>
+              <a:rPr lang="en-GB" dirty="0" smtClean="0"/>
+              <a:t>a </a:t>
+            </a:r>
+            <a:r>
+              <a:rPr lang="en-GB" dirty="0" err="1" smtClean="0"/>
+              <a:t>visszatérési</a:t>
+            </a:r>
+            <a:r>
+              <a:rPr lang="en-GB" dirty="0" smtClean="0"/>
+              <a:t> </a:t>
+            </a:r>
+            <a:r>
+              <a:rPr lang="en-GB" dirty="0" err="1" smtClean="0"/>
+              <a:t>értékekben</a:t>
+            </a:r>
+            <a:endParaRPr lang="en-GB" dirty="0" smtClean="0"/>
+          </a:p>
+          <a:p>
+            <a:pPr lvl="1"/>
+            <a:r>
+              <a:rPr lang="en-GB" dirty="0" err="1"/>
+              <a:t>Megváltoztathatom</a:t>
+            </a:r>
+            <a:r>
+              <a:rPr lang="en-GB" dirty="0"/>
+              <a:t> </a:t>
+            </a:r>
+            <a:r>
+              <a:rPr lang="en-GB" dirty="0" err="1"/>
+              <a:t>az</a:t>
+            </a:r>
+            <a:r>
+              <a:rPr lang="en-GB" dirty="0"/>
+              <a:t> </a:t>
+            </a:r>
+            <a:r>
+              <a:rPr lang="en-GB" dirty="0" err="1"/>
+              <a:t>alosztály</a:t>
+            </a:r>
+            <a:r>
+              <a:rPr lang="en-GB" dirty="0"/>
+              <a:t> </a:t>
+            </a:r>
+            <a:r>
+              <a:rPr lang="en-GB" dirty="0" err="1"/>
+              <a:t>metódusának</a:t>
+            </a:r>
+            <a:r>
+              <a:rPr lang="en-GB" dirty="0"/>
+              <a:t> </a:t>
+            </a:r>
+            <a:r>
+              <a:rPr lang="en-GB" dirty="0" err="1" smtClean="0"/>
+              <a:t>visszatérési</a:t>
+            </a:r>
+            <a:r>
+              <a:rPr lang="en-GB" dirty="0" smtClean="0"/>
+              <a:t> </a:t>
+            </a:r>
+            <a:r>
+              <a:rPr lang="en-GB" dirty="0" err="1" smtClean="0"/>
+              <a:t>értékét</a:t>
+            </a:r>
+            <a:r>
+              <a:rPr lang="en-GB" dirty="0" smtClean="0"/>
+              <a:t> </a:t>
+            </a:r>
+            <a:r>
+              <a:rPr lang="en-GB" dirty="0" err="1" smtClean="0"/>
+              <a:t>úgy</a:t>
+            </a:r>
+            <a:r>
+              <a:rPr lang="en-GB" dirty="0"/>
+              <a:t>, </a:t>
+            </a:r>
+            <a:r>
+              <a:rPr lang="en-GB" dirty="0" err="1"/>
+              <a:t>hogy</a:t>
+            </a:r>
+            <a:r>
+              <a:rPr lang="en-GB" dirty="0"/>
+              <a:t> </a:t>
+            </a:r>
+            <a:r>
+              <a:rPr lang="en-GB" dirty="0" err="1"/>
+              <a:t>egy</a:t>
+            </a:r>
+            <a:r>
+              <a:rPr lang="en-GB" dirty="0"/>
+              <a:t> </a:t>
+            </a:r>
+            <a:r>
+              <a:rPr lang="en-GB" dirty="0" err="1" smtClean="0"/>
+              <a:t>speciálisabb</a:t>
+            </a:r>
+            <a:r>
+              <a:rPr lang="en-GB" dirty="0" smtClean="0"/>
+              <a:t> </a:t>
+            </a:r>
+            <a:r>
+              <a:rPr lang="en-GB" dirty="0" err="1" smtClean="0"/>
+              <a:t>típust</a:t>
+            </a:r>
+            <a:r>
+              <a:rPr lang="en-GB" dirty="0" smtClean="0"/>
+              <a:t> </a:t>
+            </a:r>
+            <a:r>
+              <a:rPr lang="en-GB" dirty="0" err="1"/>
+              <a:t>várjon</a:t>
+            </a:r>
+            <a:r>
+              <a:rPr lang="en-GB" dirty="0"/>
+              <a:t>, mint </a:t>
+            </a:r>
+            <a:r>
+              <a:rPr lang="en-GB" dirty="0" err="1"/>
+              <a:t>az</a:t>
+            </a:r>
+            <a:r>
+              <a:rPr lang="en-GB" dirty="0"/>
+              <a:t> </a:t>
+            </a:r>
+            <a:r>
+              <a:rPr lang="en-GB" dirty="0" err="1"/>
+              <a:t>ősosztályban</a:t>
+            </a:r>
+            <a:r>
+              <a:rPr lang="en-GB" dirty="0"/>
+              <a:t>.</a:t>
+            </a:r>
+          </a:p>
+          <a:p>
+            <a:r>
+              <a:rPr lang="en-GB" b="1" i="1" dirty="0" smtClean="0"/>
+              <a:t>.NET</a:t>
+            </a:r>
+            <a:r>
+              <a:rPr lang="en-GB" dirty="0" smtClean="0"/>
+              <a:t>-ben a </a:t>
+            </a:r>
+            <a:r>
+              <a:rPr lang="en-GB" dirty="0" err="1" smtClean="0"/>
+              <a:t>variancia</a:t>
+            </a:r>
+            <a:r>
+              <a:rPr lang="en-GB" dirty="0" smtClean="0"/>
+              <a:t> </a:t>
+            </a:r>
+            <a:r>
+              <a:rPr lang="en-GB" dirty="0" err="1" smtClean="0"/>
+              <a:t>nem</a:t>
+            </a:r>
+            <a:r>
+              <a:rPr lang="en-GB" dirty="0" smtClean="0"/>
+              <a:t> </a:t>
+            </a:r>
+            <a:r>
+              <a:rPr lang="en-GB" dirty="0" err="1" smtClean="0"/>
+              <a:t>támogatott</a:t>
+            </a:r>
+            <a:r>
+              <a:rPr lang="en-GB" dirty="0" smtClean="0"/>
+              <a:t>, </a:t>
+            </a:r>
+          </a:p>
+          <a:p>
+            <a:pPr lvl="1"/>
+            <a:r>
+              <a:rPr lang="en-GB" dirty="0" err="1"/>
+              <a:t>K</a:t>
+            </a:r>
+            <a:r>
+              <a:rPr lang="en-GB" dirty="0" err="1" smtClean="0"/>
+              <a:t>ivétel</a:t>
+            </a:r>
+            <a:r>
+              <a:rPr lang="en-GB" dirty="0" smtClean="0"/>
+              <a:t>: </a:t>
+            </a:r>
+          </a:p>
+          <a:p>
+            <a:pPr lvl="2"/>
+            <a:r>
+              <a:rPr lang="en-GB" b="1" dirty="0" smtClean="0"/>
+              <a:t>Arrays</a:t>
+            </a:r>
+            <a:r>
+              <a:rPr lang="en-GB" dirty="0"/>
+              <a:t>:</a:t>
+            </a:r>
+            <a:r>
+              <a:rPr lang="en-GB" dirty="0" smtClean="0"/>
+              <a:t> Runtime Exception, </a:t>
+            </a:r>
+            <a:r>
+              <a:rPr lang="en-GB" dirty="0" err="1" smtClean="0"/>
+              <a:t>nyamm</a:t>
+            </a:r>
+            <a:r>
+              <a:rPr lang="en-GB" dirty="0" smtClean="0"/>
+              <a:t> </a:t>
+            </a:r>
+            <a:r>
+              <a:rPr lang="en-GB" dirty="0" err="1" smtClean="0"/>
+              <a:t>nyamm</a:t>
+            </a:r>
+            <a:endParaRPr lang="en-GB" dirty="0"/>
+          </a:p>
+          <a:p>
+            <a:pPr lvl="2"/>
+            <a:r>
+              <a:rPr lang="en-GB" b="1" dirty="0" err="1" smtClean="0"/>
+              <a:t>Generikus</a:t>
+            </a:r>
+            <a:r>
+              <a:rPr lang="en-GB" b="1" dirty="0" smtClean="0"/>
+              <a:t> </a:t>
+            </a:r>
+            <a:r>
+              <a:rPr lang="en-GB" b="1" dirty="0" err="1" smtClean="0"/>
+              <a:t>variancia</a:t>
+            </a:r>
+            <a:r>
+              <a:rPr lang="en-GB" b="1" dirty="0" smtClean="0"/>
+              <a:t>: </a:t>
+            </a:r>
+            <a:r>
+              <a:rPr lang="en-GB" dirty="0" smtClean="0"/>
+              <a:t>TBD.</a:t>
+            </a:r>
+          </a:p>
+          <a:p>
+            <a:r>
+              <a:rPr lang="en-GB" dirty="0" err="1" smtClean="0"/>
+              <a:t>Csak</a:t>
+            </a:r>
+            <a:r>
+              <a:rPr lang="en-GB" dirty="0" smtClean="0"/>
+              <a:t> </a:t>
+            </a:r>
+            <a:r>
+              <a:rPr lang="en-GB" dirty="0" err="1"/>
+              <a:t>az</a:t>
+            </a:r>
+            <a:r>
+              <a:rPr lang="en-GB" dirty="0"/>
+              <a:t> </a:t>
+            </a:r>
+            <a:r>
+              <a:rPr lang="en-GB" dirty="0" err="1"/>
+              <a:t>ősosztályban</a:t>
+            </a:r>
+            <a:r>
+              <a:rPr lang="en-GB" dirty="0"/>
+              <a:t> </a:t>
+            </a:r>
+            <a:r>
+              <a:rPr lang="en-GB" dirty="0" err="1"/>
+              <a:t>dobott</a:t>
+            </a:r>
+            <a:r>
+              <a:rPr lang="en-GB" dirty="0"/>
+              <a:t> </a:t>
+            </a:r>
+            <a:r>
+              <a:rPr lang="en-GB" b="1" i="1" dirty="0" err="1"/>
+              <a:t>exception</a:t>
+            </a:r>
+            <a:r>
+              <a:rPr lang="en-GB" dirty="0" err="1"/>
+              <a:t>öket</a:t>
+            </a:r>
+            <a:r>
+              <a:rPr lang="en-GB" dirty="0"/>
+              <a:t>, </a:t>
+            </a:r>
+            <a:r>
+              <a:rPr lang="en-GB" dirty="0" err="1"/>
+              <a:t>valamint</a:t>
+            </a:r>
+            <a:r>
+              <a:rPr lang="en-GB" dirty="0"/>
+              <a:t> </a:t>
+            </a:r>
+            <a:r>
+              <a:rPr lang="en-GB" dirty="0" err="1"/>
+              <a:t>azok</a:t>
+            </a:r>
+            <a:r>
+              <a:rPr lang="en-GB" dirty="0"/>
+              <a:t> </a:t>
+            </a:r>
+            <a:r>
+              <a:rPr lang="en-GB" dirty="0" err="1"/>
+              <a:t>leszármazottait</a:t>
+            </a:r>
+            <a:r>
+              <a:rPr lang="en-GB" dirty="0"/>
+              <a:t> </a:t>
+            </a:r>
+            <a:r>
+              <a:rPr lang="en-GB" dirty="0" err="1"/>
+              <a:t>dobhatjuk</a:t>
+            </a:r>
+            <a:endParaRPr lang="en-GB" dirty="0"/>
+          </a:p>
+          <a:p>
+            <a:endParaRPr lang="hu-HU" dirty="0"/>
+          </a:p>
+        </p:txBody>
+      </p:sp>
+      <p:pic>
+        <p:nvPicPr>
+          <p:cNvPr id="4" name="Kép 3"/>
+          <p:cNvPicPr>
+            <a:picLocks noChangeAspect="1"/>
+          </p:cNvPicPr>
+          <p:nvPr/>
+        </p:nvPicPr>
+        <p:blipFill>
+          <a:blip r:embed="rId2"/>
+          <a:stretch>
+            <a:fillRect/>
+          </a:stretch>
+        </p:blipFill>
+        <p:spPr>
+          <a:xfrm>
+            <a:off x="6103801" y="4943293"/>
+            <a:ext cx="2571750" cy="485775"/>
+          </a:xfrm>
+          <a:prstGeom prst="rect">
+            <a:avLst/>
+          </a:prstGeom>
+        </p:spPr>
+      </p:pic>
+    </p:spTree>
+    <p:extLst>
+      <p:ext uri="{BB962C8B-B14F-4D97-AF65-F5344CB8AC3E}">
+        <p14:creationId xmlns:p14="http://schemas.microsoft.com/office/powerpoint/2010/main" val="3296283536"/>
+      </p:ext>
+    </p:extLst>
+  </p:cSld>
+  <p:clrMapOvr>
+    <a:masterClrMapping/>
+  </p:clrMapOvr>
+</p:sld>
+</file>
+
+<file path=ppt/slides/slide4.xml><?xml version="1.0" encoding="utf-8"?>
+<p:sld xmlns:a="http://schemas.openxmlformats.org/drawingml/2006/main" xmlns:r="http://schemas.openxmlformats.org/officeDocument/2006/relationships" xmlns:p="http://schemas.openxmlformats.org/presentationml/2006/main">
+  <p:cSld>
+    <p:spTree>
+      <p:nvGrpSpPr>
+        <p:cNvPr id="1" name=""/>
+        <p:cNvGrpSpPr/>
+        <p:nvPr/>
+      </p:nvGrpSpPr>
+      <p:grpSpPr>
+        <a:xfrm>
+          <a:off x="0" y="0"/>
+          <a:ext cx="0" cy="0"/>
+          <a:chOff x="0" y="0"/>
+          <a:chExt cx="0" cy="0"/>
+        </a:xfrm>
+      </p:grpSpPr>
+      <p:sp>
+        <p:nvSpPr>
+          <p:cNvPr id="2" name="Cím 1"/>
+          <p:cNvSpPr>
+            <a:spLocks noGrp="1"/>
+          </p:cNvSpPr>
+          <p:nvPr>
+            <p:ph type="title"/>
+          </p:nvPr>
+        </p:nvSpPr>
+        <p:spPr/>
+        <p:txBody>
+          <a:bodyPr/>
+          <a:lstStyle/>
+          <a:p>
+            <a:r>
+              <a:rPr lang="en-GB" dirty="0" err="1" smtClean="0"/>
+              <a:t>Szabályok</a:t>
+            </a:r>
+            <a:r>
+              <a:rPr lang="en-GB" dirty="0" smtClean="0"/>
+              <a:t> (Design by Contract)</a:t>
+            </a:r>
+            <a:endParaRPr lang="hu-HU" dirty="0"/>
+          </a:p>
+        </p:txBody>
+      </p:sp>
+      <p:sp>
+        <p:nvSpPr>
+          <p:cNvPr id="3" name="Tartalom helye 2"/>
+          <p:cNvSpPr>
+            <a:spLocks noGrp="1"/>
+          </p:cNvSpPr>
+          <p:nvPr>
+            <p:ph idx="1"/>
+          </p:nvPr>
+        </p:nvSpPr>
+        <p:spPr/>
+        <p:txBody>
+          <a:bodyPr/>
+          <a:lstStyle/>
+          <a:p>
+            <a:r>
+              <a:rPr lang="en-GB" dirty="0" err="1" smtClean="0"/>
+              <a:t>Az</a:t>
+            </a:r>
+            <a:r>
+              <a:rPr lang="en-GB" dirty="0" smtClean="0"/>
+              <a:t> </a:t>
+            </a:r>
+            <a:r>
+              <a:rPr lang="en-GB" dirty="0" err="1"/>
+              <a:t>ősosztály</a:t>
+            </a:r>
+            <a:r>
+              <a:rPr lang="en-GB" dirty="0"/>
+              <a:t> </a:t>
+            </a:r>
+            <a:r>
+              <a:rPr lang="en-GB" b="1" i="1" dirty="0" err="1"/>
+              <a:t>invariáns</a:t>
+            </a:r>
+            <a:r>
+              <a:rPr lang="en-GB" dirty="0" err="1"/>
+              <a:t>ait</a:t>
+            </a:r>
+            <a:r>
+              <a:rPr lang="en-GB" dirty="0"/>
+              <a:t> a </a:t>
+            </a:r>
+            <a:r>
+              <a:rPr lang="en-GB" dirty="0" err="1"/>
+              <a:t>leszármazott</a:t>
+            </a:r>
+            <a:r>
+              <a:rPr lang="en-GB" dirty="0"/>
+              <a:t> </a:t>
+            </a:r>
+            <a:r>
+              <a:rPr lang="en-GB" dirty="0" err="1"/>
+              <a:t>osztálynak</a:t>
+            </a:r>
+            <a:r>
+              <a:rPr lang="en-GB" dirty="0"/>
+              <a:t> is </a:t>
+            </a:r>
+            <a:r>
+              <a:rPr lang="en-GB" dirty="0" err="1"/>
+              <a:t>tartania</a:t>
+            </a:r>
+            <a:r>
+              <a:rPr lang="en-GB" dirty="0"/>
+              <a:t> </a:t>
+            </a:r>
+            <a:r>
+              <a:rPr lang="en-GB" dirty="0" err="1" smtClean="0"/>
+              <a:t>kell</a:t>
+            </a:r>
+            <a:endParaRPr lang="en-GB" dirty="0" smtClean="0"/>
+          </a:p>
+          <a:p>
+            <a:r>
+              <a:rPr lang="en-GB" dirty="0" err="1" smtClean="0"/>
+              <a:t>Az</a:t>
+            </a:r>
+            <a:r>
+              <a:rPr lang="en-GB" dirty="0" smtClean="0"/>
+              <a:t> </a:t>
+            </a:r>
+            <a:r>
+              <a:rPr lang="en-GB" b="1" i="1" dirty="0" err="1" smtClean="0"/>
+              <a:t>előfeltételek</a:t>
+            </a:r>
+            <a:r>
+              <a:rPr lang="en-GB" b="1" i="1" dirty="0" smtClean="0"/>
+              <a:t> </a:t>
+            </a:r>
+            <a:r>
+              <a:rPr lang="en-GB" dirty="0" err="1" smtClean="0"/>
+              <a:t>nem</a:t>
+            </a:r>
+            <a:r>
+              <a:rPr lang="en-GB" dirty="0" smtClean="0"/>
+              <a:t> </a:t>
+            </a:r>
+            <a:r>
+              <a:rPr lang="en-GB" dirty="0" err="1" smtClean="0"/>
+              <a:t>lehetnek</a:t>
+            </a:r>
+            <a:r>
+              <a:rPr lang="en-GB" dirty="0" smtClean="0"/>
+              <a:t> </a:t>
+            </a:r>
+            <a:r>
+              <a:rPr lang="en-GB" b="1" dirty="0" err="1" smtClean="0"/>
+              <a:t>szigorúbbak</a:t>
+            </a:r>
+            <a:r>
+              <a:rPr lang="en-GB" dirty="0" smtClean="0"/>
+              <a:t>, mint </a:t>
+            </a:r>
+            <a:r>
+              <a:rPr lang="en-GB" dirty="0" err="1" smtClean="0"/>
+              <a:t>az</a:t>
+            </a:r>
+            <a:r>
+              <a:rPr lang="en-GB" dirty="0" smtClean="0"/>
+              <a:t> </a:t>
+            </a:r>
+            <a:r>
+              <a:rPr lang="en-GB" dirty="0" err="1" smtClean="0"/>
+              <a:t>ősosztályban</a:t>
+            </a:r>
+            <a:endParaRPr lang="en-GB" dirty="0" smtClean="0"/>
+          </a:p>
+          <a:p>
+            <a:pPr lvl="1"/>
+            <a:r>
+              <a:rPr lang="en-GB" dirty="0" err="1" smtClean="0"/>
+              <a:t>Nem</a:t>
+            </a:r>
+            <a:r>
+              <a:rPr lang="en-GB" dirty="0" smtClean="0"/>
+              <a:t> </a:t>
+            </a:r>
+            <a:r>
+              <a:rPr lang="en-GB" dirty="0" err="1" smtClean="0"/>
+              <a:t>várhatunk</a:t>
+            </a:r>
+            <a:r>
+              <a:rPr lang="en-GB" dirty="0" smtClean="0"/>
+              <a:t> el </a:t>
+            </a:r>
+            <a:r>
+              <a:rPr lang="en-GB" dirty="0" err="1" smtClean="0"/>
+              <a:t>olyan</a:t>
+            </a:r>
+            <a:r>
+              <a:rPr lang="en-GB" dirty="0" smtClean="0"/>
+              <a:t> </a:t>
+            </a:r>
+            <a:r>
+              <a:rPr lang="en-GB" dirty="0" err="1" smtClean="0"/>
+              <a:t>dolgokat</a:t>
+            </a:r>
+            <a:r>
+              <a:rPr lang="en-GB" dirty="0" smtClean="0"/>
+              <a:t>, </a:t>
+            </a:r>
+            <a:r>
+              <a:rPr lang="en-GB" dirty="0" err="1" smtClean="0"/>
+              <a:t>amiket</a:t>
+            </a:r>
+            <a:r>
+              <a:rPr lang="en-GB" dirty="0" smtClean="0"/>
+              <a:t> </a:t>
+            </a:r>
+            <a:r>
+              <a:rPr lang="en-GB" dirty="0" err="1" smtClean="0"/>
+              <a:t>nem</a:t>
+            </a:r>
+            <a:r>
+              <a:rPr lang="en-GB" dirty="0" smtClean="0"/>
+              <a:t> </a:t>
+            </a:r>
+            <a:r>
+              <a:rPr lang="en-GB" dirty="0" err="1" smtClean="0"/>
+              <a:t>vártunk</a:t>
+            </a:r>
+            <a:r>
+              <a:rPr lang="en-GB" dirty="0" smtClean="0"/>
+              <a:t> el </a:t>
+            </a:r>
+            <a:r>
+              <a:rPr lang="en-GB" dirty="0" err="1" smtClean="0"/>
+              <a:t>az</a:t>
+            </a:r>
+            <a:r>
+              <a:rPr lang="en-GB" dirty="0" smtClean="0"/>
+              <a:t> </a:t>
+            </a:r>
+            <a:r>
+              <a:rPr lang="en-GB" dirty="0" err="1" smtClean="0"/>
+              <a:t>ősosztályban</a:t>
+            </a:r>
+            <a:endParaRPr lang="en-GB" dirty="0" smtClean="0"/>
+          </a:p>
+          <a:p>
+            <a:r>
+              <a:rPr lang="en-GB" dirty="0" err="1" smtClean="0"/>
+              <a:t>Az</a:t>
+            </a:r>
+            <a:r>
+              <a:rPr lang="en-GB" dirty="0" smtClean="0"/>
+              <a:t> </a:t>
+            </a:r>
+            <a:r>
+              <a:rPr lang="en-GB" b="1" i="1" dirty="0" err="1" smtClean="0"/>
+              <a:t>utófeltételek</a:t>
+            </a:r>
+            <a:r>
+              <a:rPr lang="en-GB" dirty="0" smtClean="0"/>
+              <a:t> </a:t>
+            </a:r>
+            <a:r>
+              <a:rPr lang="en-GB" dirty="0" err="1" smtClean="0"/>
+              <a:t>nem</a:t>
+            </a:r>
+            <a:r>
+              <a:rPr lang="en-GB" dirty="0" smtClean="0"/>
+              <a:t> </a:t>
+            </a:r>
+            <a:r>
+              <a:rPr lang="en-GB" dirty="0" err="1" smtClean="0"/>
+              <a:t>lehetnek</a:t>
+            </a:r>
+            <a:r>
+              <a:rPr lang="en-GB" dirty="0" smtClean="0"/>
+              <a:t> </a:t>
+            </a:r>
+            <a:r>
+              <a:rPr lang="en-GB" b="1" dirty="0" err="1" smtClean="0"/>
+              <a:t>kevésbé</a:t>
+            </a:r>
+            <a:r>
+              <a:rPr lang="en-GB" b="1" dirty="0" smtClean="0"/>
+              <a:t> </a:t>
+            </a:r>
+            <a:r>
+              <a:rPr lang="en-GB" b="1" dirty="0" err="1" smtClean="0"/>
+              <a:t>szigorúak</a:t>
+            </a:r>
+            <a:r>
+              <a:rPr lang="en-GB" dirty="0" smtClean="0"/>
+              <a:t>, mint </a:t>
+            </a:r>
+            <a:r>
+              <a:rPr lang="en-GB" dirty="0" err="1" smtClean="0"/>
+              <a:t>az</a:t>
+            </a:r>
+            <a:r>
+              <a:rPr lang="en-GB" dirty="0" smtClean="0"/>
+              <a:t> </a:t>
+            </a:r>
+            <a:r>
+              <a:rPr lang="en-GB" dirty="0" err="1" smtClean="0"/>
+              <a:t>ősosztályban</a:t>
+            </a:r>
+            <a:endParaRPr lang="en-GB" dirty="0" smtClean="0"/>
+          </a:p>
+          <a:p>
+            <a:pPr lvl="1"/>
+            <a:r>
+              <a:rPr lang="en-GB" dirty="0" err="1" smtClean="0"/>
+              <a:t>Nem</a:t>
+            </a:r>
+            <a:r>
+              <a:rPr lang="en-GB" dirty="0" smtClean="0"/>
+              <a:t> </a:t>
+            </a:r>
+            <a:r>
+              <a:rPr lang="en-GB" dirty="0" err="1" smtClean="0"/>
+              <a:t>biztosíthatunk</a:t>
+            </a:r>
+            <a:r>
+              <a:rPr lang="en-GB" dirty="0" smtClean="0"/>
+              <a:t> </a:t>
+            </a:r>
+            <a:r>
+              <a:rPr lang="en-GB" dirty="0" err="1" smtClean="0"/>
+              <a:t>kevesebbet</a:t>
+            </a:r>
+            <a:r>
+              <a:rPr lang="en-GB" dirty="0" smtClean="0"/>
+              <a:t>, mint </a:t>
+            </a:r>
+            <a:r>
+              <a:rPr lang="en-GB" dirty="0" err="1" smtClean="0"/>
+              <a:t>az</a:t>
+            </a:r>
+            <a:r>
+              <a:rPr lang="en-GB" dirty="0" smtClean="0"/>
+              <a:t> </a:t>
+            </a:r>
+            <a:r>
+              <a:rPr lang="en-GB" dirty="0" err="1" smtClean="0"/>
+              <a:t>ősosztályban</a:t>
+            </a:r>
+            <a:endParaRPr lang="en-GB" dirty="0" smtClean="0"/>
+          </a:p>
+          <a:p>
+            <a:r>
+              <a:rPr lang="en-GB" dirty="0" smtClean="0"/>
+              <a:t>“History Rule”</a:t>
+            </a:r>
+          </a:p>
+          <a:p>
+            <a:pPr lvl="1"/>
+            <a:r>
+              <a:rPr lang="en-GB" dirty="0" err="1" smtClean="0"/>
+              <a:t>Egy</a:t>
+            </a:r>
+            <a:r>
+              <a:rPr lang="en-GB" dirty="0" smtClean="0"/>
+              <a:t> immutable </a:t>
+            </a:r>
+            <a:r>
+              <a:rPr lang="en-GB" dirty="0" err="1" smtClean="0"/>
+              <a:t>osztályból</a:t>
+            </a:r>
+            <a:r>
+              <a:rPr lang="en-GB" dirty="0" smtClean="0"/>
+              <a:t> </a:t>
+            </a:r>
+            <a:r>
+              <a:rPr lang="en-GB" dirty="0" err="1" smtClean="0"/>
+              <a:t>nem</a:t>
+            </a:r>
+            <a:r>
+              <a:rPr lang="en-GB" dirty="0" smtClean="0"/>
+              <a:t> </a:t>
+            </a:r>
+            <a:r>
+              <a:rPr lang="en-GB" dirty="0" err="1" smtClean="0"/>
+              <a:t>csinálhatunk</a:t>
+            </a:r>
+            <a:r>
+              <a:rPr lang="en-GB" dirty="0" smtClean="0"/>
+              <a:t> mutable </a:t>
+            </a:r>
+            <a:r>
+              <a:rPr lang="en-GB" dirty="0" err="1" smtClean="0"/>
+              <a:t>leszármazottat</a:t>
+            </a:r>
+            <a:endParaRPr lang="en-GB" dirty="0" smtClean="0"/>
+          </a:p>
+        </p:txBody>
+      </p:sp>
+    </p:spTree>
+    <p:extLst>
+      <p:ext uri="{BB962C8B-B14F-4D97-AF65-F5344CB8AC3E}">
+        <p14:creationId xmlns:p14="http://schemas.microsoft.com/office/powerpoint/2010/main" val="1624343439"/>
+      </p:ext>
+    </p:extLst>
+  </p:cSld>
+  <p:clrMapOvr>
+    <a:masterClrMapping/>
+  </p:clrMapOvr>
+</p:sld>
+</file>
+
+<file path=ppt/slides/slide5.xml><?xml version="1.0" encoding="utf-8"?>
+<p:sld xmlns:a="http://schemas.openxmlformats.org/drawingml/2006/main" xmlns:r="http://schemas.openxmlformats.org/officeDocument/2006/relationships" xmlns:p="http://schemas.openxmlformats.org/presentationml/2006/main">
+  <p:cSld>
+    <p:spTree>
+      <p:nvGrpSpPr>
+        <p:cNvPr id="1" name=""/>
+        <p:cNvGrpSpPr/>
+        <p:nvPr/>
+      </p:nvGrpSpPr>
+      <p:grpSpPr>
+        <a:xfrm>
+          <a:off x="0" y="0"/>
+          <a:ext cx="0" cy="0"/>
+          <a:chOff x="0" y="0"/>
+          <a:chExt cx="0" cy="0"/>
+        </a:xfrm>
+      </p:grpSpPr>
+      <p:sp>
+        <p:nvSpPr>
+          <p:cNvPr id="2" name="Cím 1"/>
+          <p:cNvSpPr>
+            <a:spLocks noGrp="1"/>
+          </p:cNvSpPr>
+          <p:nvPr>
+            <p:ph type="title"/>
+          </p:nvPr>
+        </p:nvSpPr>
+        <p:spPr/>
+        <p:txBody>
+          <a:bodyPr/>
+          <a:lstStyle/>
+          <a:p>
+            <a:r>
+              <a:rPr lang="en-GB" dirty="0" err="1" smtClean="0"/>
+              <a:t>Példák</a:t>
+            </a:r>
+            <a:endParaRPr lang="hu-HU" dirty="0"/>
+          </a:p>
+        </p:txBody>
+      </p:sp>
+      <p:sp>
+        <p:nvSpPr>
+          <p:cNvPr id="3" name="Tartalom helye 2"/>
+          <p:cNvSpPr>
+            <a:spLocks noGrp="1"/>
+          </p:cNvSpPr>
+          <p:nvPr>
+            <p:ph idx="1"/>
+          </p:nvPr>
+        </p:nvSpPr>
+        <p:spPr>
+          <a:xfrm>
+            <a:off x="1154954" y="2585394"/>
+            <a:ext cx="8825659" cy="3416300"/>
+          </a:xfrm>
+        </p:spPr>
+        <p:txBody>
+          <a:bodyPr/>
+          <a:lstStyle/>
+          <a:p>
+            <a:r>
+              <a:rPr lang="en-GB" b="1" i="1" dirty="0" smtClean="0"/>
+              <a:t>Dictionary</a:t>
+            </a:r>
+          </a:p>
+          <a:p>
+            <a:pPr lvl="1"/>
+            <a:r>
+              <a:rPr lang="en-GB" dirty="0" err="1" smtClean="0"/>
+              <a:t>Új</a:t>
+            </a:r>
+            <a:r>
+              <a:rPr lang="en-GB" dirty="0" smtClean="0"/>
+              <a:t> exception </a:t>
+            </a:r>
+            <a:r>
+              <a:rPr lang="en-GB" dirty="0" err="1" smtClean="0"/>
+              <a:t>típus</a:t>
+            </a:r>
+            <a:endParaRPr lang="en-GB" dirty="0" smtClean="0"/>
+          </a:p>
+          <a:p>
+            <a:r>
+              <a:rPr lang="en-GB" b="1" i="1" dirty="0" smtClean="0"/>
+              <a:t>Rectangle</a:t>
+            </a:r>
+          </a:p>
+          <a:p>
+            <a:pPr lvl="1"/>
+            <a:r>
+              <a:rPr lang="en-GB" dirty="0" err="1" smtClean="0"/>
+              <a:t>Invariáns</a:t>
+            </a:r>
+            <a:r>
+              <a:rPr lang="en-GB" dirty="0" smtClean="0"/>
+              <a:t> </a:t>
+            </a:r>
+            <a:r>
+              <a:rPr lang="en-GB" dirty="0" err="1" smtClean="0"/>
+              <a:t>változtatás</a:t>
+            </a:r>
+            <a:endParaRPr lang="en-GB" dirty="0" smtClean="0"/>
+          </a:p>
+          <a:p>
+            <a:r>
+              <a:rPr lang="en-GB" b="1" dirty="0" smtClean="0"/>
+              <a:t>Duck</a:t>
+            </a:r>
+          </a:p>
+          <a:p>
+            <a:pPr lvl="1"/>
+            <a:r>
+              <a:rPr lang="en-GB" dirty="0" err="1" smtClean="0"/>
+              <a:t>Előfeltétel</a:t>
+            </a:r>
+            <a:r>
+              <a:rPr lang="en-GB" dirty="0" smtClean="0"/>
+              <a:t> </a:t>
+            </a:r>
+            <a:r>
+              <a:rPr lang="en-GB" dirty="0" err="1" smtClean="0"/>
+              <a:t>erősítés</a:t>
+            </a:r>
+            <a:endParaRPr lang="hu-HU" dirty="0"/>
+          </a:p>
+        </p:txBody>
+      </p:sp>
+    </p:spTree>
+    <p:extLst>
+      <p:ext uri="{BB962C8B-B14F-4D97-AF65-F5344CB8AC3E}">
+        <p14:creationId xmlns:p14="http://schemas.microsoft.com/office/powerpoint/2010/main" val="860413738"/>
+      </p:ext>
+    </p:extLst>
+  </p:cSld>
+  <p:clrMapOvr>
+    <a:masterClrMapping/>
+  </p:clrMapOvr>
+</p:sld>
+</file>
+
+<file path=ppt/slides/slide6.xml><?xml version="1.0" encoding="utf-8"?>
+<p:sld xmlns:a="http://schemas.openxmlformats.org/drawingml/2006/main" xmlns:r="http://schemas.openxmlformats.org/officeDocument/2006/relationships" xmlns:p="http://schemas.openxmlformats.org/presentationml/2006/main">
+  <p:cSld>
+    <p:spTree>
+      <p:nvGrpSpPr>
+        <p:cNvPr id="1" name=""/>
+        <p:cNvGrpSpPr/>
+        <p:nvPr/>
+      </p:nvGrpSpPr>
+      <p:grpSpPr>
+        <a:xfrm>
+          <a:off x="0" y="0"/>
+          <a:ext cx="0" cy="0"/>
+          <a:chOff x="0" y="0"/>
+          <a:chExt cx="0" cy="0"/>
+        </a:xfrm>
+      </p:grpSpPr>
+      <p:sp>
+        <p:nvSpPr>
+          <p:cNvPr id="2" name="Cím 1"/>
+          <p:cNvSpPr>
+            <a:spLocks noGrp="1"/>
+          </p:cNvSpPr>
+          <p:nvPr>
+            <p:ph type="title"/>
+          </p:nvPr>
+        </p:nvSpPr>
+        <p:spPr/>
+        <p:txBody>
+          <a:bodyPr/>
+          <a:lstStyle/>
+          <a:p>
+            <a:r>
+              <a:rPr lang="en-GB" dirty="0" err="1" smtClean="0"/>
+              <a:t>Generikus</a:t>
+            </a:r>
+            <a:r>
+              <a:rPr lang="en-GB" dirty="0" smtClean="0"/>
+              <a:t> </a:t>
+            </a:r>
+            <a:r>
+              <a:rPr lang="en-GB" dirty="0" err="1" smtClean="0"/>
+              <a:t>variancia</a:t>
+            </a:r>
+            <a:endParaRPr lang="hu-HU" dirty="0"/>
+          </a:p>
+        </p:txBody>
+      </p:sp>
+      <p:sp>
+        <p:nvSpPr>
+          <p:cNvPr id="3" name="Tartalom helye 2"/>
+          <p:cNvSpPr>
+            <a:spLocks noGrp="1"/>
+          </p:cNvSpPr>
+          <p:nvPr>
+            <p:ph idx="1"/>
+          </p:nvPr>
+        </p:nvSpPr>
+        <p:spPr>
+          <a:xfrm>
+            <a:off x="711334" y="2355095"/>
+            <a:ext cx="10958583" cy="4371629"/>
+          </a:xfrm>
+        </p:spPr>
+        <p:txBody>
+          <a:bodyPr/>
+          <a:lstStyle/>
+          <a:p>
+            <a:r>
+              <a:rPr lang="en-GB" b="1" i="1" dirty="0" smtClean="0"/>
+              <a:t>.NET </a:t>
+            </a:r>
+            <a:r>
+              <a:rPr lang="en-GB" dirty="0" err="1" smtClean="0"/>
+              <a:t>Generikus</a:t>
+            </a:r>
+            <a:r>
+              <a:rPr lang="en-GB" dirty="0" smtClean="0"/>
+              <a:t> </a:t>
+            </a:r>
+            <a:r>
+              <a:rPr lang="en-GB" dirty="0" err="1" smtClean="0"/>
+              <a:t>típusok</a:t>
+            </a:r>
+            <a:r>
+              <a:rPr lang="en-GB" dirty="0" smtClean="0"/>
+              <a:t> </a:t>
+            </a:r>
+            <a:r>
+              <a:rPr lang="en-GB" dirty="0" err="1" smtClean="0"/>
+              <a:t>definiálásánál</a:t>
+            </a:r>
+            <a:r>
+              <a:rPr lang="en-GB" dirty="0" smtClean="0"/>
+              <a:t> </a:t>
+            </a:r>
+            <a:r>
+              <a:rPr lang="en-GB" dirty="0" err="1" smtClean="0"/>
+              <a:t>megadhatjuk</a:t>
+            </a:r>
+            <a:r>
+              <a:rPr lang="en-GB" dirty="0" smtClean="0"/>
+              <a:t> </a:t>
+            </a:r>
+            <a:r>
+              <a:rPr lang="en-GB" dirty="0" err="1" smtClean="0"/>
+              <a:t>az</a:t>
+            </a:r>
+            <a:r>
+              <a:rPr lang="en-GB" dirty="0" smtClean="0"/>
+              <a:t> </a:t>
+            </a:r>
+            <a:r>
+              <a:rPr lang="en-GB" dirty="0" err="1" smtClean="0"/>
+              <a:t>adott</a:t>
+            </a:r>
+            <a:r>
+              <a:rPr lang="en-GB" dirty="0"/>
+              <a:t> </a:t>
+            </a:r>
+            <a:r>
+              <a:rPr lang="en-GB" dirty="0" err="1" smtClean="0"/>
+              <a:t>típus</a:t>
+            </a:r>
+            <a:r>
+              <a:rPr lang="en-GB" dirty="0" smtClean="0"/>
+              <a:t> </a:t>
+            </a:r>
+            <a:r>
+              <a:rPr lang="en-GB" dirty="0" err="1" smtClean="0"/>
+              <a:t>varianciáját</a:t>
+            </a:r>
+            <a:r>
+              <a:rPr lang="en-GB" dirty="0" smtClean="0"/>
+              <a:t>, </a:t>
+            </a:r>
+            <a:r>
+              <a:rPr lang="en-GB" dirty="0" err="1" smtClean="0"/>
+              <a:t>azonban</a:t>
+            </a:r>
+            <a:r>
+              <a:rPr lang="en-GB" dirty="0" smtClean="0"/>
+              <a:t> </a:t>
+            </a:r>
+            <a:r>
+              <a:rPr lang="en-GB" dirty="0" err="1" smtClean="0"/>
+              <a:t>csak</a:t>
+            </a:r>
+            <a:r>
+              <a:rPr lang="en-GB" dirty="0" smtClean="0"/>
+              <a:t> ha </a:t>
+            </a:r>
+            <a:r>
+              <a:rPr lang="en-GB" dirty="0" err="1" smtClean="0"/>
+              <a:t>az</a:t>
+            </a:r>
+            <a:r>
+              <a:rPr lang="en-GB" dirty="0" smtClean="0"/>
+              <a:t> </a:t>
+            </a:r>
+            <a:r>
+              <a:rPr lang="en-GB" dirty="0" err="1" smtClean="0"/>
+              <a:t>alábbi</a:t>
+            </a:r>
+            <a:r>
+              <a:rPr lang="en-GB" dirty="0" smtClean="0"/>
+              <a:t> </a:t>
+            </a:r>
+            <a:r>
+              <a:rPr lang="en-GB" dirty="0" err="1" smtClean="0"/>
+              <a:t>szabályoknak</a:t>
+            </a:r>
+            <a:r>
+              <a:rPr lang="en-GB" dirty="0" smtClean="0"/>
+              <a:t> </a:t>
+            </a:r>
+            <a:r>
+              <a:rPr lang="en-GB" dirty="0" err="1" smtClean="0"/>
+              <a:t>megfelel</a:t>
+            </a:r>
+            <a:r>
+              <a:rPr lang="en-GB" i="1" dirty="0" smtClean="0"/>
+              <a:t>:</a:t>
+            </a:r>
+            <a:endParaRPr lang="en-GB" b="1" i="1" dirty="0" smtClean="0"/>
+          </a:p>
+          <a:p>
+            <a:pPr lvl="1"/>
+            <a:r>
+              <a:rPr lang="en-GB" b="1" i="1" dirty="0" err="1" smtClean="0"/>
+              <a:t>Kontravariancia</a:t>
+            </a:r>
+            <a:r>
+              <a:rPr lang="en-GB" b="1" i="1" dirty="0" smtClean="0"/>
+              <a:t> </a:t>
+            </a:r>
+            <a:r>
+              <a:rPr lang="en-GB" dirty="0"/>
+              <a:t>a </a:t>
+            </a:r>
+            <a:r>
+              <a:rPr lang="en-GB" dirty="0" err="1"/>
+              <a:t>metódusok</a:t>
+            </a:r>
+            <a:r>
+              <a:rPr lang="en-GB" dirty="0"/>
+              <a:t> </a:t>
+            </a:r>
+            <a:r>
+              <a:rPr lang="en-GB" dirty="0" err="1"/>
+              <a:t>argumentumaiban</a:t>
+            </a:r>
+            <a:endParaRPr lang="en-GB" dirty="0"/>
+          </a:p>
+          <a:p>
+            <a:pPr lvl="1"/>
+            <a:r>
+              <a:rPr lang="en-GB" b="1" i="1" dirty="0" err="1" smtClean="0"/>
+              <a:t>Kovariancia</a:t>
+            </a:r>
+            <a:r>
+              <a:rPr lang="en-GB" b="1" i="1" dirty="0" smtClean="0"/>
+              <a:t> </a:t>
+            </a:r>
+            <a:r>
+              <a:rPr lang="en-GB" dirty="0"/>
+              <a:t>a </a:t>
+            </a:r>
+            <a:r>
+              <a:rPr lang="en-GB" dirty="0" err="1"/>
+              <a:t>visszatérési</a:t>
+            </a:r>
+            <a:r>
+              <a:rPr lang="en-GB" dirty="0"/>
+              <a:t> </a:t>
+            </a:r>
+            <a:r>
+              <a:rPr lang="en-GB" dirty="0" err="1" smtClean="0"/>
+              <a:t>értékekben</a:t>
+            </a:r>
+            <a:endParaRPr lang="en-GB" dirty="0" smtClean="0"/>
+          </a:p>
+          <a:p>
+            <a:pPr lvl="2"/>
+            <a:r>
+              <a:rPr lang="en-GB" dirty="0" smtClean="0"/>
+              <a:t>Pl:</a:t>
+            </a:r>
+          </a:p>
+          <a:p>
+            <a:pPr lvl="2"/>
+            <a:endParaRPr lang="en-GB" dirty="0"/>
+          </a:p>
+          <a:p>
+            <a:pPr lvl="2"/>
+            <a:r>
+              <a:rPr lang="en-GB" dirty="0" err="1" smtClean="0"/>
+              <a:t>Az</a:t>
+            </a:r>
+            <a:r>
+              <a:rPr lang="en-GB" dirty="0" smtClean="0"/>
+              <a:t> </a:t>
+            </a:r>
+            <a:r>
+              <a:rPr lang="en-GB" b="1" i="1" dirty="0" err="1" smtClean="0"/>
+              <a:t>IEnumerable</a:t>
+            </a:r>
+            <a:r>
+              <a:rPr lang="en-GB" b="1" i="1" dirty="0" smtClean="0"/>
+              <a:t> </a:t>
+            </a:r>
+            <a:r>
+              <a:rPr lang="en-GB" dirty="0" err="1" smtClean="0"/>
+              <a:t>típusparamétere</a:t>
+            </a:r>
+            <a:r>
+              <a:rPr lang="en-GB" dirty="0" smtClean="0"/>
+              <a:t> </a:t>
+            </a:r>
+            <a:r>
+              <a:rPr lang="en-GB" dirty="0" err="1" smtClean="0"/>
+              <a:t>az</a:t>
+            </a:r>
+            <a:r>
+              <a:rPr lang="en-GB" dirty="0" smtClean="0"/>
+              <a:t> </a:t>
+            </a:r>
+            <a:r>
+              <a:rPr lang="hu-HU" b="1" i="1" dirty="0" smtClean="0"/>
+              <a:t>out</a:t>
+            </a:r>
+            <a:r>
+              <a:rPr lang="en-GB" b="1" i="1" dirty="0" smtClean="0"/>
+              <a:t> </a:t>
+            </a:r>
+            <a:r>
+              <a:rPr lang="en-GB" dirty="0" err="1" smtClean="0"/>
+              <a:t>kulcsszó</a:t>
+            </a:r>
+            <a:r>
+              <a:rPr lang="en-GB" dirty="0" smtClean="0"/>
+              <a:t> </a:t>
+            </a:r>
+            <a:r>
+              <a:rPr lang="en-GB" dirty="0" err="1" smtClean="0"/>
+              <a:t>miatt</a:t>
+            </a:r>
+            <a:r>
+              <a:rPr lang="en-GB" dirty="0" smtClean="0"/>
+              <a:t> </a:t>
+            </a:r>
+            <a:r>
+              <a:rPr lang="en-GB" dirty="0" err="1" smtClean="0"/>
+              <a:t>egy</a:t>
+            </a:r>
+            <a:r>
+              <a:rPr lang="en-GB" dirty="0" smtClean="0"/>
+              <a:t> </a:t>
+            </a:r>
+            <a:r>
+              <a:rPr lang="en-GB" dirty="0" err="1" smtClean="0"/>
+              <a:t>kovariáns</a:t>
+            </a:r>
+            <a:r>
+              <a:rPr lang="en-GB" dirty="0" smtClean="0"/>
+              <a:t>. </a:t>
+            </a:r>
+            <a:r>
+              <a:rPr lang="en-GB" dirty="0" err="1" smtClean="0"/>
+              <a:t>Emiatt</a:t>
+            </a:r>
+            <a:r>
+              <a:rPr lang="en-GB" dirty="0" smtClean="0"/>
+              <a:t> </a:t>
+            </a:r>
+            <a:r>
+              <a:rPr lang="en-GB" dirty="0" err="1" smtClean="0"/>
+              <a:t>engedélyezett</a:t>
+            </a:r>
+            <a:r>
+              <a:rPr lang="en-GB" dirty="0" smtClean="0"/>
+              <a:t> a </a:t>
+            </a:r>
+            <a:r>
+              <a:rPr lang="en-GB" dirty="0" err="1" smtClean="0"/>
+              <a:t>következő</a:t>
+            </a:r>
+            <a:r>
+              <a:rPr lang="en-GB" dirty="0" smtClean="0"/>
+              <a:t>:</a:t>
+            </a:r>
+          </a:p>
+          <a:p>
+            <a:pPr lvl="2"/>
+            <a:endParaRPr lang="en-GB" dirty="0" smtClean="0"/>
+          </a:p>
+          <a:p>
+            <a:pPr lvl="2"/>
+            <a:r>
+              <a:rPr lang="en-GB" dirty="0" err="1" smtClean="0"/>
+              <a:t>Azonban</a:t>
+            </a:r>
+            <a:r>
+              <a:rPr lang="en-GB" dirty="0" smtClean="0"/>
+              <a:t> a </a:t>
+            </a:r>
+            <a:r>
+              <a:rPr lang="en-GB" dirty="0" err="1" smtClean="0"/>
+              <a:t>típusparaméter</a:t>
+            </a:r>
+            <a:r>
+              <a:rPr lang="en-GB" dirty="0" smtClean="0"/>
+              <a:t> </a:t>
+            </a:r>
+            <a:r>
+              <a:rPr lang="en-GB" dirty="0" err="1" smtClean="0"/>
+              <a:t>csak</a:t>
+            </a:r>
+            <a:r>
+              <a:rPr lang="en-GB" dirty="0" smtClean="0"/>
+              <a:t> </a:t>
+            </a:r>
+            <a:r>
+              <a:rPr lang="en-GB" dirty="0" err="1" smtClean="0"/>
+              <a:t>visszatérési</a:t>
+            </a:r>
+            <a:r>
+              <a:rPr lang="en-GB" dirty="0" smtClean="0"/>
+              <a:t> </a:t>
+            </a:r>
+            <a:r>
+              <a:rPr lang="en-GB" dirty="0" err="1" smtClean="0"/>
+              <a:t>értékekben</a:t>
+            </a:r>
+            <a:r>
+              <a:rPr lang="en-GB" dirty="0" smtClean="0"/>
+              <a:t> </a:t>
+            </a:r>
+            <a:r>
+              <a:rPr lang="en-GB" dirty="0" err="1" smtClean="0"/>
+              <a:t>használható</a:t>
+            </a:r>
+            <a:r>
+              <a:rPr lang="en-GB" dirty="0" smtClean="0"/>
+              <a:t>:</a:t>
+            </a:r>
+          </a:p>
+          <a:p>
+            <a:pPr lvl="2"/>
+            <a:endParaRPr lang="en-GB" dirty="0"/>
+          </a:p>
+          <a:p>
+            <a:pPr lvl="2"/>
+            <a:endParaRPr lang="en-GB" dirty="0" smtClean="0"/>
+          </a:p>
+          <a:p>
+            <a:pPr lvl="2"/>
+            <a:r>
+              <a:rPr lang="en-GB" dirty="0" err="1" smtClean="0"/>
+              <a:t>Különben</a:t>
+            </a:r>
+            <a:r>
+              <a:rPr lang="en-GB" dirty="0" smtClean="0"/>
+              <a:t> </a:t>
+            </a:r>
+            <a:r>
+              <a:rPr lang="en-GB" dirty="0" err="1" smtClean="0"/>
+              <a:t>hasonló</a:t>
+            </a:r>
+            <a:r>
+              <a:rPr lang="en-GB" dirty="0" smtClean="0"/>
+              <a:t> </a:t>
+            </a:r>
+            <a:r>
+              <a:rPr lang="en-GB" dirty="0" err="1" smtClean="0"/>
+              <a:t>eset</a:t>
+            </a:r>
+            <a:r>
+              <a:rPr lang="en-GB" dirty="0" smtClean="0"/>
+              <a:t> </a:t>
+            </a:r>
+            <a:r>
+              <a:rPr lang="en-GB" dirty="0" err="1" smtClean="0"/>
+              <a:t>állna</a:t>
+            </a:r>
+            <a:r>
+              <a:rPr lang="en-GB" dirty="0" smtClean="0"/>
+              <a:t> </a:t>
+            </a:r>
+            <a:r>
+              <a:rPr lang="en-GB" dirty="0" err="1" smtClean="0"/>
+              <a:t>fenn</a:t>
+            </a:r>
+            <a:r>
+              <a:rPr lang="en-GB" dirty="0" smtClean="0"/>
+              <a:t>, mint </a:t>
+            </a:r>
+            <a:r>
+              <a:rPr lang="en-GB" dirty="0" err="1" smtClean="0"/>
+              <a:t>az</a:t>
+            </a:r>
+            <a:r>
+              <a:rPr lang="en-GB" dirty="0" smtClean="0"/>
+              <a:t> </a:t>
+            </a:r>
+            <a:r>
+              <a:rPr lang="en-GB" b="1" i="1" dirty="0" smtClean="0"/>
+              <a:t>Array</a:t>
+            </a:r>
+            <a:r>
+              <a:rPr lang="en-GB" dirty="0" smtClean="0"/>
+              <a:t> </a:t>
+            </a:r>
+            <a:r>
+              <a:rPr lang="en-GB" dirty="0" err="1" smtClean="0"/>
+              <a:t>esetén</a:t>
+            </a:r>
+            <a:endParaRPr lang="en-GB" dirty="0" smtClean="0"/>
+          </a:p>
+          <a:p>
+            <a:pPr lvl="3"/>
+            <a:endParaRPr lang="en-GB" dirty="0" smtClean="0"/>
+          </a:p>
+        </p:txBody>
+      </p:sp>
+      <p:pic>
+        <p:nvPicPr>
+          <p:cNvPr id="4" name="Kép 3"/>
+          <p:cNvPicPr>
+            <a:picLocks noChangeAspect="1"/>
+          </p:cNvPicPr>
+          <p:nvPr/>
+        </p:nvPicPr>
+        <p:blipFill>
+          <a:blip r:embed="rId2"/>
+          <a:stretch>
+            <a:fillRect/>
+          </a:stretch>
+        </p:blipFill>
+        <p:spPr>
+          <a:xfrm>
+            <a:off x="2324429" y="3748921"/>
+            <a:ext cx="3324225" cy="628650"/>
+          </a:xfrm>
+          <a:prstGeom prst="rect">
+            <a:avLst/>
+          </a:prstGeom>
+        </p:spPr>
+      </p:pic>
+      <p:pic>
+        <p:nvPicPr>
+          <p:cNvPr id="6" name="Kép 5"/>
+          <p:cNvPicPr>
+            <a:picLocks noChangeAspect="1"/>
+          </p:cNvPicPr>
+          <p:nvPr/>
+        </p:nvPicPr>
+        <p:blipFill>
+          <a:blip r:embed="rId3"/>
+          <a:stretch>
+            <a:fillRect/>
+          </a:stretch>
+        </p:blipFill>
+        <p:spPr>
+          <a:xfrm>
+            <a:off x="2242949" y="4784977"/>
+            <a:ext cx="4067175" cy="295275"/>
+          </a:xfrm>
+          <a:prstGeom prst="rect">
+            <a:avLst/>
+          </a:prstGeom>
+        </p:spPr>
+      </p:pic>
+      <p:pic>
+        <p:nvPicPr>
+          <p:cNvPr id="7" name="Kép 6"/>
+          <p:cNvPicPr>
+            <a:picLocks noChangeAspect="1"/>
+          </p:cNvPicPr>
+          <p:nvPr/>
+        </p:nvPicPr>
+        <p:blipFill>
+          <a:blip r:embed="rId4"/>
+          <a:stretch>
+            <a:fillRect/>
+          </a:stretch>
+        </p:blipFill>
+        <p:spPr>
+          <a:xfrm>
+            <a:off x="2242949" y="5435852"/>
+            <a:ext cx="4095750" cy="742950"/>
+          </a:xfrm>
+          <a:prstGeom prst="rect">
+            <a:avLst/>
+          </a:prstGeom>
+        </p:spPr>
+      </p:pic>
+    </p:spTree>
+    <p:extLst>
+      <p:ext uri="{BB962C8B-B14F-4D97-AF65-F5344CB8AC3E}">
+        <p14:creationId xmlns:p14="http://schemas.microsoft.com/office/powerpoint/2010/main" val="2315017835"/>
+      </p:ext>
+    </p:extLst>
+  </p:cSld>
+  <p:clrMapOvr>
+    <a:masterClrMapping/>
+  </p:clrMapOvr>
+</p:sld>
+</file>
+
 <file path=ppt/theme/theme1.xml><?xml version="1.0" encoding="utf-8"?>
 <a:theme xmlns:a="http://schemas.openxmlformats.org/drawingml/2006/main" name="Tanácsterem">
   <a:themeElements>

--- a/Presentation.pptx
+++ b/Presentation.pptx
@@ -10,7 +10,8 @@
     <p:sldId id="258" r:id="rId4"/>
     <p:sldId id="259" r:id="rId5"/>
     <p:sldId id="260" r:id="rId6"/>
-    <p:sldId id="261" r:id="rId7"/>
+    <p:sldId id="262" r:id="rId7"/>
+    <p:sldId id="261" r:id="rId8"/>
   </p:sldIdLst>
   <p:sldSz cx="12192000" cy="6858000"/>
   <p:notesSz cx="6858000" cy="9144000"/>
@@ -14874,6 +14875,22 @@
               <a:rPr lang="en-GB" dirty="0" err="1" smtClean="0"/>
               <a:t>erősítés</a:t>
             </a:r>
+            <a:endParaRPr lang="en-GB" dirty="0" smtClean="0"/>
+          </a:p>
+          <a:p>
+            <a:pPr lvl="1"/>
+            <a:r>
+              <a:rPr lang="en-GB" dirty="0" err="1" smtClean="0"/>
+              <a:t>Utófeltétel</a:t>
+            </a:r>
+            <a:r>
+              <a:rPr lang="en-GB" dirty="0" smtClean="0"/>
+              <a:t> </a:t>
+            </a:r>
+            <a:r>
+              <a:rPr lang="en-GB" dirty="0" err="1" smtClean="0"/>
+              <a:t>gyengítés</a:t>
+            </a:r>
             <a:endParaRPr lang="hu-HU" dirty="0"/>
           </a:p>
         </p:txBody>
@@ -14892,6 +14909,453 @@
 </file>
 
 <file path=ppt/slides/slide6.xml><?xml version="1.0" encoding="utf-8"?>
+<p:sld xmlns:a="http://schemas.openxmlformats.org/drawingml/2006/main" xmlns:r="http://schemas.openxmlformats.org/officeDocument/2006/relationships" xmlns:p="http://schemas.openxmlformats.org/presentationml/2006/main">
+  <p:cSld>
+    <p:spTree>
+      <p:nvGrpSpPr>
+        <p:cNvPr id="1" name=""/>
+        <p:cNvGrpSpPr/>
+        <p:nvPr/>
+      </p:nvGrpSpPr>
+      <p:grpSpPr>
+        <a:xfrm>
+          <a:off x="0" y="0"/>
+          <a:ext cx="0" cy="0"/>
+          <a:chOff x="0" y="0"/>
+          <a:chExt cx="0" cy="0"/>
+        </a:xfrm>
+      </p:grpSpPr>
+      <p:sp>
+        <p:nvSpPr>
+          <p:cNvPr id="2" name="Cím 1"/>
+          <p:cNvSpPr>
+            <a:spLocks noGrp="1"/>
+          </p:cNvSpPr>
+          <p:nvPr>
+            <p:ph type="title"/>
+          </p:nvPr>
+        </p:nvSpPr>
+        <p:spPr/>
+        <p:txBody>
+          <a:bodyPr/>
+          <a:lstStyle/>
+          <a:p>
+            <a:r>
+              <a:rPr lang="en-GB" dirty="0" err="1" smtClean="0"/>
+              <a:t>Megoldás</a:t>
+            </a:r>
+            <a:r>
+              <a:rPr lang="en-GB" dirty="0"/>
+              <a:t>?</a:t>
+            </a:r>
+            <a:endParaRPr lang="hu-HU" dirty="0"/>
+          </a:p>
+        </p:txBody>
+      </p:sp>
+      <p:sp>
+        <p:nvSpPr>
+          <p:cNvPr id="3" name="Tartalom helye 2"/>
+          <p:cNvSpPr>
+            <a:spLocks noGrp="1"/>
+          </p:cNvSpPr>
+          <p:nvPr>
+            <p:ph idx="1"/>
+          </p:nvPr>
+        </p:nvSpPr>
+        <p:spPr/>
+        <p:txBody>
+          <a:bodyPr/>
+          <a:lstStyle/>
+          <a:p>
+            <a:r>
+              <a:rPr lang="en-GB" dirty="0" smtClean="0"/>
+              <a:t>A </a:t>
+            </a:r>
+            <a:r>
+              <a:rPr lang="en-GB" dirty="0" err="1" smtClean="0"/>
+              <a:t>legtöbb</a:t>
+            </a:r>
+            <a:r>
+              <a:rPr lang="en-GB" dirty="0" smtClean="0"/>
+              <a:t> </a:t>
+            </a:r>
+            <a:r>
+              <a:rPr lang="en-GB" dirty="0" err="1" smtClean="0"/>
+              <a:t>probléma</a:t>
+            </a:r>
+            <a:r>
+              <a:rPr lang="en-GB" dirty="0" smtClean="0"/>
+              <a:t> a </a:t>
+            </a:r>
+            <a:r>
+              <a:rPr lang="en-GB" dirty="0" err="1" smtClean="0"/>
+              <a:t>nem</a:t>
+            </a:r>
+            <a:r>
+              <a:rPr lang="en-GB" dirty="0" smtClean="0"/>
+              <a:t> </a:t>
+            </a:r>
+            <a:r>
+              <a:rPr lang="en-GB" dirty="0" err="1" smtClean="0"/>
+              <a:t>megfelelő</a:t>
+            </a:r>
+            <a:r>
+              <a:rPr lang="en-GB" dirty="0" smtClean="0"/>
+              <a:t> design, </a:t>
+            </a:r>
+            <a:r>
+              <a:rPr lang="en-GB" dirty="0" err="1" smtClean="0"/>
+              <a:t>és</a:t>
+            </a:r>
+            <a:r>
+              <a:rPr lang="en-GB" dirty="0" smtClean="0"/>
+              <a:t> a </a:t>
+            </a:r>
+            <a:r>
+              <a:rPr lang="en-GB" dirty="0" err="1" smtClean="0"/>
+              <a:t>helytelen</a:t>
+            </a:r>
+            <a:r>
+              <a:rPr lang="en-GB" dirty="0" smtClean="0"/>
+              <a:t> </a:t>
+            </a:r>
+            <a:r>
+              <a:rPr lang="en-GB" dirty="0" err="1" smtClean="0"/>
+              <a:t>absztrakció</a:t>
+            </a:r>
+            <a:r>
+              <a:rPr lang="en-GB" dirty="0" smtClean="0"/>
+              <a:t> </a:t>
+            </a:r>
+            <a:r>
+              <a:rPr lang="en-GB" dirty="0" err="1" smtClean="0"/>
+              <a:t>eredménye</a:t>
+            </a:r>
+            <a:endParaRPr lang="en-GB" dirty="0"/>
+          </a:p>
+          <a:p>
+            <a:pPr lvl="1"/>
+            <a:r>
+              <a:rPr lang="en-GB" dirty="0" smtClean="0"/>
+              <a:t>Ha </a:t>
+            </a:r>
+            <a:r>
+              <a:rPr lang="en-GB" dirty="0" err="1" smtClean="0"/>
+              <a:t>azt</a:t>
+            </a:r>
+            <a:r>
+              <a:rPr lang="en-GB" dirty="0" smtClean="0"/>
+              <a:t> </a:t>
+            </a:r>
+            <a:r>
+              <a:rPr lang="en-GB" dirty="0" err="1" smtClean="0"/>
+              <a:t>látjuk</a:t>
+            </a:r>
+            <a:r>
+              <a:rPr lang="en-GB" dirty="0" smtClean="0"/>
+              <a:t>, </a:t>
+            </a:r>
+            <a:r>
+              <a:rPr lang="en-GB" dirty="0" err="1" smtClean="0"/>
+              <a:t>hogy</a:t>
+            </a:r>
+            <a:r>
+              <a:rPr lang="en-GB" dirty="0" smtClean="0"/>
+              <a:t> </a:t>
+            </a:r>
+            <a:r>
+              <a:rPr lang="en-GB" dirty="0" err="1" smtClean="0"/>
+              <a:t>valamelyik</a:t>
+            </a:r>
+            <a:r>
+              <a:rPr lang="en-GB" dirty="0" smtClean="0"/>
+              <a:t> </a:t>
+            </a:r>
+            <a:r>
+              <a:rPr lang="en-GB" dirty="0" err="1" smtClean="0"/>
+              <a:t>szabályt</a:t>
+            </a:r>
+            <a:r>
+              <a:rPr lang="en-GB" dirty="0" smtClean="0"/>
+              <a:t> </a:t>
+            </a:r>
+            <a:r>
+              <a:rPr lang="en-GB" dirty="0" err="1" smtClean="0"/>
+              <a:t>megsértettük</a:t>
+            </a:r>
+            <a:r>
+              <a:rPr lang="en-GB" dirty="0" smtClean="0"/>
+              <a:t>, </a:t>
+            </a:r>
+            <a:r>
+              <a:rPr lang="en-GB" dirty="0" err="1" smtClean="0"/>
+              <a:t>értemes</a:t>
+            </a:r>
+            <a:r>
+              <a:rPr lang="en-GB" dirty="0"/>
+              <a:t> </a:t>
+            </a:r>
+            <a:r>
+              <a:rPr lang="en-GB" dirty="0" err="1" smtClean="0"/>
+              <a:t>magasabb</a:t>
+            </a:r>
+            <a:r>
+              <a:rPr lang="en-GB" dirty="0" smtClean="0"/>
+              <a:t> </a:t>
+            </a:r>
+            <a:r>
+              <a:rPr lang="en-GB" dirty="0" err="1" smtClean="0"/>
+              <a:t>szintről</a:t>
+            </a:r>
+            <a:r>
+              <a:rPr lang="en-GB" dirty="0" smtClean="0"/>
+              <a:t> </a:t>
+            </a:r>
+            <a:r>
+              <a:rPr lang="en-GB" dirty="0" err="1" smtClean="0"/>
+              <a:t>megvizsgálni</a:t>
+            </a:r>
+            <a:r>
+              <a:rPr lang="en-GB" dirty="0" smtClean="0"/>
+              <a:t>, </a:t>
+            </a:r>
+            <a:r>
+              <a:rPr lang="en-GB" dirty="0" err="1" smtClean="0"/>
+              <a:t>vajon</a:t>
+            </a:r>
+            <a:r>
+              <a:rPr lang="en-GB" dirty="0" smtClean="0"/>
+              <a:t> </a:t>
+            </a:r>
+            <a:r>
+              <a:rPr lang="en-GB" dirty="0" err="1" smtClean="0"/>
+              <a:t>az</a:t>
+            </a:r>
+            <a:r>
+              <a:rPr lang="en-GB" dirty="0" smtClean="0"/>
+              <a:t> </a:t>
+            </a:r>
+            <a:r>
+              <a:rPr lang="en-GB" dirty="0" err="1" smtClean="0"/>
+              <a:t>öröklődési</a:t>
+            </a:r>
+            <a:r>
+              <a:rPr lang="en-GB" dirty="0" smtClean="0"/>
+              <a:t> </a:t>
+            </a:r>
+            <a:r>
+              <a:rPr lang="en-GB" dirty="0" err="1" smtClean="0"/>
+              <a:t>láncunkban</a:t>
+            </a:r>
+            <a:r>
+              <a:rPr lang="en-GB" dirty="0" smtClean="0"/>
+              <a:t> </a:t>
+            </a:r>
+            <a:r>
+              <a:rPr lang="en-GB" dirty="0" err="1" smtClean="0"/>
+              <a:t>találunk</a:t>
+            </a:r>
+            <a:r>
+              <a:rPr lang="en-GB" dirty="0" smtClean="0"/>
+              <a:t>-e </a:t>
+            </a:r>
+            <a:r>
+              <a:rPr lang="en-GB" dirty="0" err="1" smtClean="0"/>
+              <a:t>valami</a:t>
+            </a:r>
+            <a:r>
+              <a:rPr lang="en-GB" dirty="0" smtClean="0"/>
+              <a:t> </a:t>
+            </a:r>
+            <a:r>
+              <a:rPr lang="en-GB" dirty="0" err="1" smtClean="0"/>
+              <a:t>nem</a:t>
+            </a:r>
+            <a:r>
+              <a:rPr lang="en-GB" dirty="0" smtClean="0"/>
+              <a:t> </a:t>
+            </a:r>
+            <a:r>
+              <a:rPr lang="en-GB" dirty="0" err="1" smtClean="0"/>
+              <a:t>odaillőt</a:t>
+            </a:r>
+            <a:r>
+              <a:rPr lang="en-GB" dirty="0" smtClean="0"/>
+              <a:t>?</a:t>
+            </a:r>
+          </a:p>
+          <a:p>
+            <a:r>
+              <a:rPr lang="en-GB" b="1" i="1" dirty="0" smtClean="0"/>
+              <a:t>Design by Contract</a:t>
+            </a:r>
+            <a:r>
+              <a:rPr lang="en-GB" dirty="0" smtClean="0"/>
+              <a:t> </a:t>
+            </a:r>
+            <a:r>
+              <a:rPr lang="en-GB" dirty="0" err="1" smtClean="0"/>
+              <a:t>elv</a:t>
+            </a:r>
+            <a:r>
+              <a:rPr lang="en-GB" dirty="0" smtClean="0"/>
+              <a:t>:</a:t>
+            </a:r>
+          </a:p>
+          <a:p>
+            <a:pPr lvl="1"/>
+            <a:r>
+              <a:rPr lang="en-GB" dirty="0" err="1" smtClean="0"/>
+              <a:t>Egészítsük</a:t>
+            </a:r>
+            <a:r>
+              <a:rPr lang="en-GB" dirty="0" smtClean="0"/>
+              <a:t> </a:t>
+            </a:r>
+            <a:r>
+              <a:rPr lang="en-GB" dirty="0" err="1" smtClean="0"/>
+              <a:t>ki</a:t>
+            </a:r>
+            <a:r>
+              <a:rPr lang="en-GB" dirty="0" smtClean="0"/>
+              <a:t> a </a:t>
+            </a:r>
+            <a:r>
+              <a:rPr lang="en-GB" dirty="0" err="1" smtClean="0"/>
+              <a:t>szoftverkomponensek</a:t>
+            </a:r>
+            <a:r>
+              <a:rPr lang="en-GB" dirty="0" smtClean="0"/>
+              <a:t> </a:t>
+            </a:r>
+            <a:r>
+              <a:rPr lang="en-GB" dirty="0" err="1" smtClean="0"/>
+              <a:t>definícióját</a:t>
+            </a:r>
+            <a:r>
+              <a:rPr lang="en-GB" dirty="0" smtClean="0"/>
+              <a:t> </a:t>
+            </a:r>
+            <a:r>
+              <a:rPr lang="en-GB" dirty="0" err="1" smtClean="0"/>
+              <a:t>formális</a:t>
+            </a:r>
+            <a:r>
+              <a:rPr lang="en-GB" dirty="0" smtClean="0"/>
+              <a:t> </a:t>
+            </a:r>
+            <a:r>
+              <a:rPr lang="en-GB" b="1" i="1" dirty="0" err="1" smtClean="0"/>
+              <a:t>előfeltételekkel</a:t>
+            </a:r>
+            <a:r>
+              <a:rPr lang="en-GB" dirty="0" smtClean="0"/>
+              <a:t>, </a:t>
+            </a:r>
+            <a:r>
+              <a:rPr lang="en-GB" b="1" i="1" dirty="0" err="1" smtClean="0"/>
+              <a:t>utófeltételekkel</a:t>
+            </a:r>
+            <a:r>
+              <a:rPr lang="en-GB" dirty="0" smtClean="0"/>
+              <a:t>, </a:t>
+            </a:r>
+            <a:r>
+              <a:rPr lang="en-GB" dirty="0" err="1" smtClean="0"/>
+              <a:t>valamint</a:t>
+            </a:r>
+            <a:r>
+              <a:rPr lang="en-GB" dirty="0" smtClean="0"/>
+              <a:t> </a:t>
+            </a:r>
+            <a:r>
+              <a:rPr lang="en-GB" b="1" i="1" dirty="0" err="1" smtClean="0"/>
+              <a:t>invariánsok</a:t>
+            </a:r>
+            <a:r>
+              <a:rPr lang="en-GB" dirty="0" err="1" smtClean="0"/>
+              <a:t>kal</a:t>
+            </a:r>
+            <a:r>
+              <a:rPr lang="en-GB" dirty="0" smtClean="0"/>
+              <a:t>.</a:t>
+            </a:r>
+          </a:p>
+          <a:p>
+            <a:pPr lvl="1"/>
+            <a:r>
+              <a:rPr lang="en-GB" dirty="0" err="1" smtClean="0"/>
+              <a:t>Néhány</a:t>
+            </a:r>
+            <a:r>
+              <a:rPr lang="en-GB" dirty="0" smtClean="0"/>
+              <a:t> </a:t>
+            </a:r>
+            <a:r>
+              <a:rPr lang="en-GB" dirty="0" err="1" smtClean="0"/>
+              <a:t>nyelv</a:t>
+            </a:r>
+            <a:r>
+              <a:rPr lang="en-GB" dirty="0" smtClean="0"/>
+              <a:t> </a:t>
+            </a:r>
+            <a:r>
+              <a:rPr lang="en-GB" dirty="0" err="1" smtClean="0"/>
+              <a:t>beépítetten</a:t>
+            </a:r>
+            <a:r>
+              <a:rPr lang="en-GB" dirty="0" smtClean="0"/>
+              <a:t> </a:t>
+            </a:r>
+            <a:r>
+              <a:rPr lang="en-GB" dirty="0" err="1" smtClean="0"/>
+              <a:t>támogatja</a:t>
+            </a:r>
+            <a:r>
+              <a:rPr lang="en-GB" dirty="0" smtClean="0"/>
+              <a:t> (pl.: </a:t>
+            </a:r>
+            <a:r>
+              <a:rPr lang="en-GB" b="1" i="1" dirty="0" smtClean="0"/>
+              <a:t>Eiffel</a:t>
+            </a:r>
+            <a:r>
+              <a:rPr lang="en-GB" dirty="0" smtClean="0"/>
+              <a:t>)</a:t>
+            </a:r>
+          </a:p>
+          <a:p>
+            <a:pPr lvl="1"/>
+            <a:r>
+              <a:rPr lang="en-GB" b="1" i="1" dirty="0" smtClean="0"/>
+              <a:t>C# 4.0</a:t>
+            </a:r>
+            <a:r>
+              <a:rPr lang="en-GB" dirty="0" smtClean="0"/>
+              <a:t> </a:t>
+            </a:r>
+            <a:r>
+              <a:rPr lang="en-GB" b="1" i="1" smtClean="0"/>
+              <a:t>Code Contracts</a:t>
+            </a:r>
+            <a:endParaRPr lang="hu-HU" b="1" i="1" dirty="0"/>
+          </a:p>
+        </p:txBody>
+      </p:sp>
+    </p:spTree>
+    <p:extLst>
+      <p:ext uri="{BB962C8B-B14F-4D97-AF65-F5344CB8AC3E}">
+        <p14:creationId xmlns:p14="http://schemas.microsoft.com/office/powerpoint/2010/main" val="2754592211"/>
+      </p:ext>
+    </p:extLst>
+  </p:cSld>
+  <p:clrMapOvr>
+    <a:masterClrMapping/>
+  </p:clrMapOvr>
+</p:sld>
+</file>
+
+<file path=ppt/slides/slide7.xml><?xml version="1.0" encoding="utf-8"?>
 <p:sld xmlns:a="http://schemas.openxmlformats.org/drawingml/2006/main" xmlns:r="http://schemas.openxmlformats.org/officeDocument/2006/relationships" xmlns:p="http://schemas.openxmlformats.org/presentationml/2006/main">
   <p:cSld>
     <p:spTree>

--- a/Presentation.pptx
+++ b/Presentation.pptx
@@ -13787,6 +13787,13 @@
   <p:clrMapOvr>
     <a:masterClrMapping/>
   </p:clrMapOvr>
+  <p:timing>
+    <p:tnLst>
+      <p:par>
+        <p:cTn id="1" dur="indefinite" restart="never" nodeType="tmRoot"/>
+      </p:par>
+    </p:tnLst>
+  </p:timing>
 </p:sld>
 </file>
 
@@ -14341,6 +14348,13 @@
   <p:clrMapOvr>
     <a:masterClrMapping/>
   </p:clrMapOvr>
+  <p:timing>
+    <p:tnLst>
+      <p:par>
+        <p:cTn id="1" dur="indefinite" restart="never" nodeType="tmRoot"/>
+      </p:par>
+    </p:tnLst>
+  </p:timing>
 </p:sld>
 </file>
 
@@ -14749,6 +14763,13 @@
   <p:clrMapOvr>
     <a:masterClrMapping/>
   </p:clrMapOvr>
+  <p:timing>
+    <p:tnLst>
+      <p:par>
+        <p:cTn id="1" dur="indefinite" restart="never" nodeType="tmRoot"/>
+      </p:par>
+    </p:tnLst>
+  </p:timing>
 </p:sld>
 </file>
 
@@ -14905,6 +14926,13 @@
   <p:clrMapOvr>
     <a:masterClrMapping/>
   </p:clrMapOvr>
+  <p:timing>
+    <p:tnLst>
+      <p:par>
+        <p:cTn id="1" dur="indefinite" restart="never" nodeType="tmRoot"/>
+      </p:par>
+    </p:tnLst>
+  </p:timing>
 </p:sld>
 </file>
 
@@ -14988,6 +15016,182 @@
               <a:t> a </a:t>
             </a:r>
             <a:r>
+              <a:rPr lang="en-GB" b="1" dirty="0" err="1" smtClean="0"/>
+              <a:t>nem</a:t>
+            </a:r>
+            <a:r>
+              <a:rPr lang="en-GB" b="1" dirty="0" smtClean="0"/>
+              <a:t> </a:t>
+            </a:r>
+            <a:r>
+              <a:rPr lang="en-GB" b="1" dirty="0" err="1" smtClean="0"/>
+              <a:t>megfelelő</a:t>
+            </a:r>
+            <a:r>
+              <a:rPr lang="en-GB" b="1" dirty="0" smtClean="0"/>
+              <a:t> design</a:t>
+            </a:r>
+            <a:r>
+              <a:rPr lang="en-GB" dirty="0" smtClean="0"/>
+              <a:t>, </a:t>
+            </a:r>
+            <a:r>
+              <a:rPr lang="en-GB" dirty="0" err="1" smtClean="0"/>
+              <a:t>és</a:t>
+            </a:r>
+            <a:r>
+              <a:rPr lang="en-GB" dirty="0" smtClean="0"/>
+              <a:t> a </a:t>
+            </a:r>
+            <a:r>
+              <a:rPr lang="en-GB" b="1" dirty="0" err="1" smtClean="0"/>
+              <a:t>helytelen</a:t>
+            </a:r>
+            <a:r>
+              <a:rPr lang="en-GB" b="1" dirty="0" smtClean="0"/>
+              <a:t> </a:t>
+            </a:r>
+            <a:r>
+              <a:rPr lang="en-GB" b="1" dirty="0" err="1" smtClean="0"/>
+              <a:t>absztrakció</a:t>
+            </a:r>
+            <a:r>
+              <a:rPr lang="en-GB" dirty="0" smtClean="0"/>
+              <a:t> </a:t>
+            </a:r>
+            <a:r>
+              <a:rPr lang="en-GB" dirty="0" err="1" smtClean="0"/>
+              <a:t>eredménye</a:t>
+            </a:r>
+            <a:endParaRPr lang="en-GB" dirty="0"/>
+          </a:p>
+          <a:p>
+            <a:pPr lvl="1"/>
+            <a:r>
+              <a:rPr lang="en-GB" dirty="0" smtClean="0"/>
+              <a:t>Ha </a:t>
+            </a:r>
+            <a:r>
+              <a:rPr lang="en-GB" dirty="0" err="1" smtClean="0"/>
+              <a:t>azt</a:t>
+            </a:r>
+            <a:r>
+              <a:rPr lang="en-GB" dirty="0" smtClean="0"/>
+              <a:t> </a:t>
+            </a:r>
+            <a:r>
+              <a:rPr lang="en-GB" dirty="0" err="1" smtClean="0"/>
+              <a:t>látjuk</a:t>
+            </a:r>
+            <a:r>
+              <a:rPr lang="en-GB" dirty="0" smtClean="0"/>
+              <a:t>, </a:t>
+            </a:r>
+            <a:r>
+              <a:rPr lang="en-GB" dirty="0" err="1" smtClean="0"/>
+              <a:t>hogy</a:t>
+            </a:r>
+            <a:r>
+              <a:rPr lang="en-GB" dirty="0" smtClean="0"/>
+              <a:t> </a:t>
+            </a:r>
+            <a:r>
+              <a:rPr lang="en-GB" dirty="0" err="1" smtClean="0"/>
+              <a:t>valamelyik</a:t>
+            </a:r>
+            <a:r>
+              <a:rPr lang="en-GB" dirty="0" smtClean="0"/>
+              <a:t> </a:t>
+            </a:r>
+            <a:r>
+              <a:rPr lang="en-GB" dirty="0" err="1" smtClean="0"/>
+              <a:t>szabályt</a:t>
+            </a:r>
+            <a:r>
+              <a:rPr lang="en-GB" dirty="0" smtClean="0"/>
+              <a:t> </a:t>
+            </a:r>
+            <a:r>
+              <a:rPr lang="en-GB" dirty="0" err="1" smtClean="0"/>
+              <a:t>megsértettük</a:t>
+            </a:r>
+            <a:r>
+              <a:rPr lang="en-GB" dirty="0" smtClean="0"/>
+              <a:t>, </a:t>
+            </a:r>
+            <a:r>
+              <a:rPr lang="en-GB" dirty="0" err="1" smtClean="0"/>
+              <a:t>értemes</a:t>
+            </a:r>
+            <a:r>
+              <a:rPr lang="en-GB" dirty="0"/>
+              <a:t> </a:t>
+            </a:r>
+            <a:r>
+              <a:rPr lang="en-GB" dirty="0" err="1" smtClean="0"/>
+              <a:t>távolabbról</a:t>
+            </a:r>
+            <a:r>
+              <a:rPr lang="en-GB" dirty="0" smtClean="0"/>
+              <a:t> </a:t>
+            </a:r>
+            <a:r>
+              <a:rPr lang="en-GB" dirty="0" err="1" smtClean="0"/>
+              <a:t>megvizsgálni</a:t>
+            </a:r>
+            <a:r>
+              <a:rPr lang="en-GB" dirty="0" smtClean="0"/>
+              <a:t>, </a:t>
+            </a:r>
+            <a:r>
+              <a:rPr lang="en-GB" dirty="0" err="1" smtClean="0"/>
+              <a:t>vajon</a:t>
+            </a:r>
+            <a:r>
+              <a:rPr lang="en-GB" dirty="0" smtClean="0"/>
+              <a:t> </a:t>
+            </a:r>
+            <a:r>
+              <a:rPr lang="en-GB" dirty="0" err="1" smtClean="0"/>
+              <a:t>az</a:t>
+            </a:r>
+            <a:r>
+              <a:rPr lang="en-GB" dirty="0" smtClean="0"/>
+              <a:t> </a:t>
+            </a:r>
+            <a:r>
+              <a:rPr lang="en-GB" dirty="0" err="1" smtClean="0"/>
+              <a:t>öröklődési</a:t>
+            </a:r>
+            <a:r>
+              <a:rPr lang="en-GB" dirty="0" smtClean="0"/>
+              <a:t> </a:t>
+            </a:r>
+            <a:r>
+              <a:rPr lang="en-GB" dirty="0" err="1" smtClean="0"/>
+              <a:t>láncunkban</a:t>
+            </a:r>
+            <a:r>
+              <a:rPr lang="en-GB" dirty="0" smtClean="0"/>
+              <a:t> </a:t>
+            </a:r>
+            <a:r>
+              <a:rPr lang="en-GB" dirty="0" err="1" smtClean="0"/>
+              <a:t>találunk</a:t>
+            </a:r>
+            <a:r>
+              <a:rPr lang="en-GB" dirty="0" smtClean="0"/>
+              <a:t>-e </a:t>
+            </a:r>
+            <a:r>
+              <a:rPr lang="en-GB" dirty="0" err="1" smtClean="0"/>
+              <a:t>valami</a:t>
+            </a:r>
+            <a:r>
+              <a:rPr lang="en-GB" dirty="0" smtClean="0"/>
+              <a:t> </a:t>
+            </a:r>
+            <a:r>
               <a:rPr lang="en-GB" dirty="0" err="1" smtClean="0"/>
               <a:t>nem</a:t>
             </a:r>
@@ -14997,186 +15201,6 @@
             </a:r>
             <a:r>
               <a:rPr lang="en-GB" dirty="0" err="1" smtClean="0"/>
-              <a:t>megfelelő</a:t>
-            </a:r>
-            <a:r>
-              <a:rPr lang="en-GB" dirty="0" smtClean="0"/>
-              <a:t> design, </a:t>
-            </a:r>
-            <a:r>
-              <a:rPr lang="en-GB" dirty="0" err="1" smtClean="0"/>
-              <a:t>és</a:t>
-            </a:r>
-            <a:r>
-              <a:rPr lang="en-GB" dirty="0" smtClean="0"/>
-              <a:t> a </a:t>
-            </a:r>
-            <a:r>
-              <a:rPr lang="en-GB" dirty="0" err="1" smtClean="0"/>
-              <a:t>helytelen</a:t>
-            </a:r>
-            <a:r>
-              <a:rPr lang="en-GB" dirty="0" smtClean="0"/>
-              <a:t> </a:t>
-            </a:r>
-            <a:r>
-              <a:rPr lang="en-GB" dirty="0" err="1" smtClean="0"/>
-              <a:t>absztrakció</a:t>
-            </a:r>
-            <a:r>
-              <a:rPr lang="en-GB" dirty="0" smtClean="0"/>
-              <a:t> </a:t>
-            </a:r>
-            <a:r>
-              <a:rPr lang="en-GB" dirty="0" err="1" smtClean="0"/>
-              <a:t>eredménye</a:t>
-            </a:r>
-            <a:endParaRPr lang="en-GB" dirty="0"/>
-          </a:p>
-          <a:p>
-            <a:pPr lvl="1"/>
-            <a:r>
-              <a:rPr lang="en-GB" dirty="0" smtClean="0"/>
-              <a:t>Ha </a:t>
-            </a:r>
-            <a:r>
-              <a:rPr lang="en-GB" dirty="0" err="1" smtClean="0"/>
-              <a:t>azt</a:t>
-            </a:r>
-            <a:r>
-              <a:rPr lang="en-GB" dirty="0" smtClean="0"/>
-              <a:t> </a:t>
-            </a:r>
-            <a:r>
-              <a:rPr lang="en-GB" dirty="0" err="1" smtClean="0"/>
-              <a:t>látjuk</a:t>
-            </a:r>
-            <a:r>
-              <a:rPr lang="en-GB" dirty="0" smtClean="0"/>
-              <a:t>, </a:t>
-            </a:r>
-            <a:r>
-              <a:rPr lang="en-GB" dirty="0" err="1" smtClean="0"/>
-              <a:t>hogy</a:t>
-            </a:r>
-            <a:r>
-              <a:rPr lang="en-GB" dirty="0" smtClean="0"/>
-              <a:t> </a:t>
-            </a:r>
-            <a:r>
-              <a:rPr lang="en-GB" dirty="0" err="1" smtClean="0"/>
-              <a:t>valamelyik</a:t>
-            </a:r>
-            <a:r>
-              <a:rPr lang="en-GB" dirty="0" smtClean="0"/>
-              <a:t> </a:t>
-            </a:r>
-            <a:r>
-              <a:rPr lang="en-GB" dirty="0" err="1" smtClean="0"/>
-              <a:t>szabályt</a:t>
-            </a:r>
-            <a:r>
-              <a:rPr lang="en-GB" dirty="0" smtClean="0"/>
-              <a:t> </a:t>
-            </a:r>
-            <a:r>
-              <a:rPr lang="en-GB" dirty="0" err="1" smtClean="0"/>
-              <a:t>megsértettük</a:t>
-            </a:r>
-            <a:r>
-              <a:rPr lang="en-GB" dirty="0" smtClean="0"/>
-              <a:t>, </a:t>
-            </a:r>
-            <a:r>
-              <a:rPr lang="en-GB" dirty="0" err="1" smtClean="0"/>
-              <a:t>értemes</a:t>
-            </a:r>
-            <a:r>
-              <a:rPr lang="en-GB" dirty="0"/>
-              <a:t> </a:t>
-            </a:r>
-            <a:r>
-              <a:rPr lang="en-GB" dirty="0" err="1" smtClean="0"/>
-              <a:t>magasabb</a:t>
-            </a:r>
-            <a:r>
-              <a:rPr lang="en-GB" dirty="0" smtClean="0"/>
-              <a:t> </a:t>
-            </a:r>
-            <a:r>
-              <a:rPr lang="en-GB" dirty="0" err="1" smtClean="0"/>
-              <a:t>szintről</a:t>
-            </a:r>
-            <a:r>
-              <a:rPr lang="en-GB" dirty="0" smtClean="0"/>
-              <a:t> </a:t>
-            </a:r>
-            <a:r>
-              <a:rPr lang="en-GB" dirty="0" err="1" smtClean="0"/>
-              <a:t>megvizsgálni</a:t>
-            </a:r>
-            <a:r>
-              <a:rPr lang="en-GB" dirty="0" smtClean="0"/>
-              <a:t>, </a:t>
-            </a:r>
-            <a:r>
-              <a:rPr lang="en-GB" dirty="0" err="1" smtClean="0"/>
-              <a:t>vajon</a:t>
-            </a:r>
-            <a:r>
-              <a:rPr lang="en-GB" dirty="0" smtClean="0"/>
-              <a:t> </a:t>
-            </a:r>
-            <a:r>
-              <a:rPr lang="en-GB" dirty="0" err="1" smtClean="0"/>
-              <a:t>az</a:t>
-            </a:r>
-            <a:r>
-              <a:rPr lang="en-GB" dirty="0" smtClean="0"/>
-              <a:t> </a:t>
-            </a:r>
-            <a:r>
-              <a:rPr lang="en-GB" dirty="0" err="1" smtClean="0"/>
-              <a:t>öröklődési</a:t>
-            </a:r>
-            <a:r>
-              <a:rPr lang="en-GB" dirty="0" smtClean="0"/>
-              <a:t> </a:t>
-            </a:r>
-            <a:r>
-              <a:rPr lang="en-GB" dirty="0" err="1" smtClean="0"/>
-              <a:t>láncunkban</a:t>
-            </a:r>
-            <a:r>
-              <a:rPr lang="en-GB" dirty="0" smtClean="0"/>
-              <a:t> </a:t>
-            </a:r>
-            <a:r>
-              <a:rPr lang="en-GB" dirty="0" err="1" smtClean="0"/>
-              <a:t>találunk</a:t>
-            </a:r>
-            <a:r>
-              <a:rPr lang="en-GB" dirty="0" smtClean="0"/>
-              <a:t>-e </a:t>
-            </a:r>
-            <a:r>
-              <a:rPr lang="en-GB" dirty="0" err="1" smtClean="0"/>
-              <a:t>valami</a:t>
-            </a:r>
-            <a:r>
-              <a:rPr lang="en-GB" dirty="0" smtClean="0"/>
-              <a:t> </a:t>
-            </a:r>
-            <a:r>
-              <a:rPr lang="en-GB" dirty="0" err="1" smtClean="0"/>
-              <a:t>nem</a:t>
-            </a:r>
-            <a:r>
-              <a:rPr lang="en-GB" dirty="0" smtClean="0"/>
-              <a:t> </a:t>
-            </a:r>
-            <a:r>
-              <a:rPr lang="en-GB" dirty="0" err="1" smtClean="0"/>
               <a:t>odaillőt</a:t>
             </a:r>
             <a:r>
@@ -15335,7 +15359,7 @@
               <a:t> </a:t>
             </a:r>
             <a:r>
-              <a:rPr lang="en-GB" b="1" i="1" smtClean="0"/>
+              <a:rPr lang="en-GB" b="1" i="1" dirty="0" smtClean="0"/>
               <a:t>Code Contracts</a:t>
             </a:r>
             <a:endParaRPr lang="hu-HU" b="1" i="1" dirty="0"/>
@@ -15352,6 +15376,13 @@
   <p:clrMapOvr>
     <a:masterClrMapping/>
   </p:clrMapOvr>
+  <p:timing>
+    <p:tnLst>
+      <p:par>
+        <p:cTn id="1" dur="indefinite" restart="never" nodeType="tmRoot"/>
+      </p:par>
+    </p:tnLst>
+  </p:timing>
 </p:sld>
 </file>
 
@@ -15922,6 +15953,13 @@
   <p:clrMapOvr>
     <a:masterClrMapping/>
   </p:clrMapOvr>
+  <p:timing>
+    <p:tnLst>
+      <p:par>
+        <p:cTn id="1" dur="indefinite" restart="never" nodeType="tmRoot"/>
+      </p:par>
+    </p:tnLst>
+  </p:timing>
 </p:sld>
 </file>
 
